--- a/EFCore Q4 2018/EFCore Q4 2018.pptx
+++ b/EFCore Q4 2018/EFCore Q4 2018.pptx
@@ -5,56 +5,55 @@
     <p:sldMasterId id="2147483648" r:id="rId1"/>
   </p:sldMasterIdLst>
   <p:notesMasterIdLst>
-    <p:notesMasterId r:id="rId24"/>
+    <p:notesMasterId r:id="rId23"/>
   </p:notesMasterIdLst>
   <p:sldIdLst>
-    <p:sldId id="277" r:id="rId2"/>
-    <p:sldId id="263" r:id="rId3"/>
-    <p:sldId id="257" r:id="rId4"/>
-    <p:sldId id="265" r:id="rId5"/>
-    <p:sldId id="266" r:id="rId6"/>
-    <p:sldId id="269" r:id="rId7"/>
-    <p:sldId id="278" r:id="rId8"/>
-    <p:sldId id="268" r:id="rId9"/>
-    <p:sldId id="271" r:id="rId10"/>
-    <p:sldId id="270" r:id="rId11"/>
-    <p:sldId id="272" r:id="rId12"/>
-    <p:sldId id="267" r:id="rId13"/>
-    <p:sldId id="264" r:id="rId14"/>
-    <p:sldId id="273" r:id="rId15"/>
-    <p:sldId id="274" r:id="rId16"/>
-    <p:sldId id="275" r:id="rId17"/>
-    <p:sldId id="276" r:id="rId18"/>
-    <p:sldId id="258" r:id="rId19"/>
-    <p:sldId id="259" r:id="rId20"/>
-    <p:sldId id="260" r:id="rId21"/>
-    <p:sldId id="261" r:id="rId22"/>
-    <p:sldId id="262" r:id="rId23"/>
+    <p:sldId id="263" r:id="rId2"/>
+    <p:sldId id="257" r:id="rId3"/>
+    <p:sldId id="265" r:id="rId4"/>
+    <p:sldId id="266" r:id="rId5"/>
+    <p:sldId id="269" r:id="rId6"/>
+    <p:sldId id="278" r:id="rId7"/>
+    <p:sldId id="268" r:id="rId8"/>
+    <p:sldId id="271" r:id="rId9"/>
+    <p:sldId id="270" r:id="rId10"/>
+    <p:sldId id="272" r:id="rId11"/>
+    <p:sldId id="267" r:id="rId12"/>
+    <p:sldId id="264" r:id="rId13"/>
+    <p:sldId id="273" r:id="rId14"/>
+    <p:sldId id="274" r:id="rId15"/>
+    <p:sldId id="275" r:id="rId16"/>
+    <p:sldId id="276" r:id="rId17"/>
+    <p:sldId id="258" r:id="rId18"/>
+    <p:sldId id="259" r:id="rId19"/>
+    <p:sldId id="260" r:id="rId20"/>
+    <p:sldId id="261" r:id="rId21"/>
+    <p:sldId id="262" r:id="rId22"/>
   </p:sldIdLst>
   <p:sldSz cx="12192000" cy="6858000"/>
   <p:notesSz cx="6858000" cy="9144000"/>
   <p:embeddedFontLst>
     <p:embeddedFont>
       <p:font typeface="Calibri" panose="020F0502020204030204" pitchFamily="34" charset="0"/>
-      <p:regular r:id="rId25"/>
-      <p:bold r:id="rId26"/>
-      <p:italic r:id="rId27"/>
-      <p:boldItalic r:id="rId28"/>
+      <p:regular r:id="rId24"/>
+      <p:bold r:id="rId25"/>
+      <p:italic r:id="rId26"/>
+      <p:boldItalic r:id="rId27"/>
     </p:embeddedFont>
     <p:embeddedFont>
       <p:font typeface="Fjalla One" panose="02000506040000020004" pitchFamily="2" charset="0"/>
+      <p:regular r:id="rId28"/>
+    </p:embeddedFont>
+    <p:embeddedFont>
+      <p:font typeface="Font Awesome 5 Brands" panose="02000503000000000000" pitchFamily="2" charset="0"/>
       <p:regular r:id="rId29"/>
     </p:embeddedFont>
     <p:embeddedFont>
-      <p:font typeface="Font Awesome 5 Brands" panose="02000503000000000000" pitchFamily="2" charset="0"/>
+      <p:font typeface="Noto Sans" panose="020B0502040504020204" pitchFamily="34" charset="0"/>
       <p:regular r:id="rId30"/>
-    </p:embeddedFont>
-    <p:embeddedFont>
-      <p:font typeface="Noto Sans" panose="020B0502040504020204" pitchFamily="34" charset="0"/>
-      <p:regular r:id="rId31"/>
-      <p:bold r:id="rId32"/>
-      <p:italic r:id="rId33"/>
-      <p:boldItalic r:id="rId34"/>
+      <p:bold r:id="rId31"/>
+      <p:italic r:id="rId32"/>
+      <p:boldItalic r:id="rId33"/>
     </p:embeddedFont>
   </p:embeddedFontLst>
   <p:defaultTextStyle>
@@ -157,7 +156,6 @@
       <p14:sectionLst xmlns:p14="http://schemas.microsoft.com/office/powerpoint/2010/main">
         <p14:section name="Default Section" id="{33783BFE-5B0D-429E-AE5A-F6D5DD3ADAED}">
           <p14:sldIdLst>
-            <p14:sldId id="277"/>
             <p14:sldId id="263"/>
             <p14:sldId id="257"/>
             <p14:sldId id="265"/>
@@ -4814,7 +4812,7 @@
           <a:p>
             <a:fld id="{1E030878-7158-464C-82B0-E4F344B2A4BE}" type="datetimeFigureOut">
               <a:rPr lang="en-US" smtClean="0"/>
-              <a:t>9/30/2018</a:t>
+              <a:t>10/2/2018</a:t>
             </a:fld>
             <a:endParaRPr lang="en-US"/>
           </a:p>
@@ -5146,7 +5144,7 @@
           <a:p>
             <a:fld id="{1153F2DE-2C56-4647-B115-77230C47CE3D}" type="slidenum">
               <a:rPr lang="en-US" smtClean="0"/>
-              <a:t>2</a:t>
+              <a:t>1</a:t>
             </a:fld>
             <a:endParaRPr lang="en-US"/>
           </a:p>
@@ -5248,7 +5246,7 @@
           <a:p>
             <a:fld id="{1153F2DE-2C56-4647-B115-77230C47CE3D}" type="slidenum">
               <a:rPr lang="en-US" smtClean="0"/>
-              <a:t>17</a:t>
+              <a:t>16</a:t>
             </a:fld>
             <a:endParaRPr lang="en-US"/>
           </a:p>
@@ -5350,7 +5348,7 @@
           <a:p>
             <a:fld id="{1153F2DE-2C56-4647-B115-77230C47CE3D}" type="slidenum">
               <a:rPr lang="en-US" smtClean="0"/>
-              <a:t>9</a:t>
+              <a:t>8</a:t>
             </a:fld>
             <a:endParaRPr lang="en-US"/>
           </a:p>
@@ -5452,7 +5450,7 @@
           <a:p>
             <a:fld id="{1153F2DE-2C56-4647-B115-77230C47CE3D}" type="slidenum">
               <a:rPr lang="en-US" smtClean="0"/>
-              <a:t>10</a:t>
+              <a:t>9</a:t>
             </a:fld>
             <a:endParaRPr lang="en-US"/>
           </a:p>
@@ -5554,7 +5552,7 @@
           <a:p>
             <a:fld id="{1153F2DE-2C56-4647-B115-77230C47CE3D}" type="slidenum">
               <a:rPr lang="en-US" smtClean="0"/>
-              <a:t>11</a:t>
+              <a:t>10</a:t>
             </a:fld>
             <a:endParaRPr lang="en-US"/>
           </a:p>
@@ -5656,7 +5654,7 @@
           <a:p>
             <a:fld id="{1153F2DE-2C56-4647-B115-77230C47CE3D}" type="slidenum">
               <a:rPr lang="en-US" smtClean="0"/>
-              <a:t>12</a:t>
+              <a:t>11</a:t>
             </a:fld>
             <a:endParaRPr lang="en-US"/>
           </a:p>
@@ -5740,7 +5738,7 @@
           <a:p>
             <a:fld id="{1153F2DE-2C56-4647-B115-77230C47CE3D}" type="slidenum">
               <a:rPr lang="en-US" smtClean="0"/>
-              <a:t>13</a:t>
+              <a:t>12</a:t>
             </a:fld>
             <a:endParaRPr lang="en-US"/>
           </a:p>
@@ -5842,7 +5840,7 @@
           <a:p>
             <a:fld id="{1153F2DE-2C56-4647-B115-77230C47CE3D}" type="slidenum">
               <a:rPr lang="en-US" smtClean="0"/>
-              <a:t>14</a:t>
+              <a:t>13</a:t>
             </a:fld>
             <a:endParaRPr lang="en-US"/>
           </a:p>
@@ -5944,7 +5942,7 @@
           <a:p>
             <a:fld id="{1153F2DE-2C56-4647-B115-77230C47CE3D}" type="slidenum">
               <a:rPr lang="en-US" smtClean="0"/>
-              <a:t>15</a:t>
+              <a:t>14</a:t>
             </a:fld>
             <a:endParaRPr lang="en-US"/>
           </a:p>
@@ -6046,7 +6044,7 @@
           <a:p>
             <a:fld id="{1153F2DE-2C56-4647-B115-77230C47CE3D}" type="slidenum">
               <a:rPr lang="en-US" smtClean="0"/>
-              <a:t>16</a:t>
+              <a:t>15</a:t>
             </a:fld>
             <a:endParaRPr lang="en-US"/>
           </a:p>
@@ -6212,7 +6210,7 @@
           <a:p>
             <a:fld id="{1F939598-36D4-4983-B297-156BBB61E65C}" type="datetimeFigureOut">
               <a:rPr lang="en-US" smtClean="0"/>
-              <a:t>9/30/2018</a:t>
+              <a:t>10/2/2018</a:t>
             </a:fld>
             <a:endParaRPr lang="en-US"/>
           </a:p>
@@ -6410,7 +6408,7 @@
           <a:p>
             <a:fld id="{1F939598-36D4-4983-B297-156BBB61E65C}" type="datetimeFigureOut">
               <a:rPr lang="en-US" smtClean="0"/>
-              <a:t>9/30/2018</a:t>
+              <a:t>10/2/2018</a:t>
             </a:fld>
             <a:endParaRPr lang="en-US"/>
           </a:p>
@@ -6618,7 +6616,7 @@
           <a:p>
             <a:fld id="{1F939598-36D4-4983-B297-156BBB61E65C}" type="datetimeFigureOut">
               <a:rPr lang="en-US" smtClean="0"/>
-              <a:t>9/30/2018</a:t>
+              <a:t>10/2/2018</a:t>
             </a:fld>
             <a:endParaRPr lang="en-US"/>
           </a:p>
@@ -6816,7 +6814,7 @@
           <a:p>
             <a:fld id="{1F939598-36D4-4983-B297-156BBB61E65C}" type="datetimeFigureOut">
               <a:rPr lang="en-US" smtClean="0"/>
-              <a:t>9/30/2018</a:t>
+              <a:t>10/2/2018</a:t>
             </a:fld>
             <a:endParaRPr lang="en-US"/>
           </a:p>
@@ -7091,7 +7089,7 @@
           <a:p>
             <a:fld id="{1F939598-36D4-4983-B297-156BBB61E65C}" type="datetimeFigureOut">
               <a:rPr lang="en-US" smtClean="0"/>
-              <a:t>9/30/2018</a:t>
+              <a:t>10/2/2018</a:t>
             </a:fld>
             <a:endParaRPr lang="en-US"/>
           </a:p>
@@ -7356,7 +7354,7 @@
           <a:p>
             <a:fld id="{1F939598-36D4-4983-B297-156BBB61E65C}" type="datetimeFigureOut">
               <a:rPr lang="en-US" smtClean="0"/>
-              <a:t>9/30/2018</a:t>
+              <a:t>10/2/2018</a:t>
             </a:fld>
             <a:endParaRPr lang="en-US"/>
           </a:p>
@@ -7768,7 +7766,7 @@
           <a:p>
             <a:fld id="{1F939598-36D4-4983-B297-156BBB61E65C}" type="datetimeFigureOut">
               <a:rPr lang="en-US" smtClean="0"/>
-              <a:t>9/30/2018</a:t>
+              <a:t>10/2/2018</a:t>
             </a:fld>
             <a:endParaRPr lang="en-US"/>
           </a:p>
@@ -7909,7 +7907,7 @@
           <a:p>
             <a:fld id="{1F939598-36D4-4983-B297-156BBB61E65C}" type="datetimeFigureOut">
               <a:rPr lang="en-US" smtClean="0"/>
-              <a:t>9/30/2018</a:t>
+              <a:t>10/2/2018</a:t>
             </a:fld>
             <a:endParaRPr lang="en-US"/>
           </a:p>
@@ -8022,7 +8020,7 @@
           <a:p>
             <a:fld id="{1F939598-36D4-4983-B297-156BBB61E65C}" type="datetimeFigureOut">
               <a:rPr lang="en-US" smtClean="0"/>
-              <a:t>9/30/2018</a:t>
+              <a:t>10/2/2018</a:t>
             </a:fld>
             <a:endParaRPr lang="en-US"/>
           </a:p>
@@ -8333,7 +8331,7 @@
           <a:p>
             <a:fld id="{1F939598-36D4-4983-B297-156BBB61E65C}" type="datetimeFigureOut">
               <a:rPr lang="en-US" smtClean="0"/>
-              <a:t>9/30/2018</a:t>
+              <a:t>10/2/2018</a:t>
             </a:fld>
             <a:endParaRPr lang="en-US"/>
           </a:p>
@@ -8621,7 +8619,7 @@
           <a:p>
             <a:fld id="{1F939598-36D4-4983-B297-156BBB61E65C}" type="datetimeFigureOut">
               <a:rPr lang="en-US" smtClean="0"/>
-              <a:t>9/30/2018</a:t>
+              <a:t>10/2/2018</a:t>
             </a:fld>
             <a:endParaRPr lang="en-US"/>
           </a:p>
@@ -8862,7 +8860,7 @@
           <a:p>
             <a:fld id="{1F939598-36D4-4983-B297-156BBB61E65C}" type="datetimeFigureOut">
               <a:rPr lang="en-US" smtClean="0"/>
-              <a:t>9/30/2018</a:t>
+              <a:t>10/2/2018</a:t>
             </a:fld>
             <a:endParaRPr lang="en-US"/>
           </a:p>
@@ -9265,6 +9263,14 @@
 <file path=ppt/slides/slide1.xml><?xml version="1.0" encoding="utf-8"?>
 <p:sld xmlns:a="http://schemas.openxmlformats.org/drawingml/2006/main" xmlns:r="http://schemas.openxmlformats.org/officeDocument/2006/relationships" xmlns:p="http://schemas.openxmlformats.org/presentationml/2006/main">
   <p:cSld>
+    <p:bg>
+      <p:bgPr>
+        <a:solidFill>
+          <a:schemeClr val="bg1"/>
+        </a:solidFill>
+        <a:effectLst/>
+      </p:bgPr>
+    </p:bg>
     <p:spTree>
       <p:nvGrpSpPr>
         <p:cNvPr id="1" name=""/>
@@ -9281,10 +9287,111 @@
       </p:grpSpPr>
       <p:sp>
         <p:nvSpPr>
+          <p:cNvPr id="26" name="Rectangle 25">
+            <a:extLst>
+              <a:ext uri="{FF2B5EF4-FFF2-40B4-BE49-F238E27FC236}">
+                <a16:creationId xmlns:a16="http://schemas.microsoft.com/office/drawing/2014/main" id="{C5E6CFF1-2F42-4E10-9A97-F116F46F53FE}"/>
+              </a:ext>
+              <a:ext uri="{C183D7F6-B498-43B3-948B-1728B52AA6E4}">
+                <adec:decorative xmlns:adec="http://schemas.microsoft.com/office/drawing/2017/decorative" val="1"/>
+              </a:ext>
+            </a:extLst>
+          </p:cNvPr>
+          <p:cNvSpPr>
+            <a:spLocks noGrp="1" noRot="1" noChangeAspect="1" noMove="1" noResize="1" noEditPoints="1" noAdjustHandles="1" noChangeArrowheads="1" noChangeShapeType="1" noTextEdit="1"/>
+          </p:cNvSpPr>
+          <p:nvPr>
+            <p:extLst>
+              <p:ext uri="{386F3935-93C4-4BCD-93E2-E3B085C9AB24}">
+                <p16:designElem xmlns:p16="http://schemas.microsoft.com/office/powerpoint/2015/main" val="1"/>
+              </p:ext>
+            </p:extLst>
+          </p:nvPr>
+        </p:nvSpPr>
+        <p:spPr>
+          <a:xfrm>
+            <a:off x="0" y="0"/>
+            <a:ext cx="12192000" cy="6858000"/>
+          </a:xfrm>
+          <a:prstGeom prst="rect">
+            <a:avLst/>
+          </a:prstGeom>
+          <a:solidFill>
+            <a:srgbClr val="000000"/>
+          </a:solidFill>
+          <a:ln>
+            <a:noFill/>
+          </a:ln>
+        </p:spPr>
+        <p:style>
+          <a:lnRef idx="2">
+            <a:schemeClr val="accent1">
+              <a:shade val="50000"/>
+            </a:schemeClr>
+          </a:lnRef>
+          <a:fillRef idx="1">
+            <a:schemeClr val="accent1"/>
+          </a:fillRef>
+          <a:effectRef idx="0">
+            <a:schemeClr val="accent1"/>
+          </a:effectRef>
+          <a:fontRef idx="minor">
+            <a:schemeClr val="lt1"/>
+          </a:fontRef>
+        </p:style>
+        <p:txBody>
+          <a:bodyPr rtlCol="0" anchor="ctr"/>
+          <a:lstStyle/>
+          <a:p>
+            <a:pPr algn="ctr"/>
+            <a:endParaRPr lang="en-US"/>
+          </a:p>
+        </p:txBody>
+      </p:sp>
+      <p:pic>
+        <p:nvPicPr>
+          <p:cNvPr id="10" name="Picture Placeholder 9" descr="A person wearing a suit and tie smiling at the camera&#10;&#10;Description generated with very high confidence">
+            <a:extLst>
+              <a:ext uri="{FF2B5EF4-FFF2-40B4-BE49-F238E27FC236}">
+                <a16:creationId xmlns:a16="http://schemas.microsoft.com/office/drawing/2014/main" id="{3C1B86BC-1DA4-4DFD-8B74-31640BD63A3D}"/>
+              </a:ext>
+            </a:extLst>
+          </p:cNvPr>
+          <p:cNvPicPr>
+            <a:picLocks noGrp="1" noChangeAspect="1"/>
+          </p:cNvPicPr>
+          <p:nvPr>
+            <p:ph type="pic" idx="1"/>
+          </p:nvPr>
+        </p:nvPicPr>
+        <p:blipFill rotWithShape="1">
+          <a:blip r:embed="rId3">
+            <a:alphaModFix amt="35000"/>
+            <a:extLst>
+              <a:ext uri="{28A0092B-C50C-407E-A947-70E740481C1C}">
+                <a14:useLocalDpi xmlns:a14="http://schemas.microsoft.com/office/drawing/2010/main" val="0"/>
+              </a:ext>
+            </a:extLst>
+          </a:blip>
+          <a:srcRect t="10943" b="4151"/>
+          <a:stretch/>
+        </p:blipFill>
+        <p:spPr>
+          <a:xfrm>
+            <a:off x="20" y="10"/>
+            <a:ext cx="12191980" cy="6857990"/>
+          </a:xfrm>
+          <a:prstGeom prst="rect">
+            <a:avLst/>
+          </a:prstGeom>
+        </p:spPr>
+      </p:pic>
+      <p:sp>
+        <p:nvSpPr>
           <p:cNvPr id="2" name="Title 1">
             <a:extLst>
               <a:ext uri="{FF2B5EF4-FFF2-40B4-BE49-F238E27FC236}">
-                <a16:creationId xmlns:a16="http://schemas.microsoft.com/office/drawing/2014/main" id="{FCCA8C5B-25DE-4967-85EE-690B07C2123F}"/>
+                <a16:creationId xmlns:a16="http://schemas.microsoft.com/office/drawing/2014/main" id="{27D78C93-F2E4-48D7-82F7-3C4C298C0385}"/>
               </a:ext>
             </a:extLst>
           </p:cNvPr>
@@ -9295,67 +9402,188 @@
             <p:ph type="title"/>
           </p:nvPr>
         </p:nvSpPr>
-        <p:spPr/>
-        <p:txBody>
-          <a:bodyPr/>
+        <p:spPr>
+          <a:xfrm>
+            <a:off x="838201" y="1065862"/>
+            <a:ext cx="3313164" cy="4726276"/>
+          </a:xfrm>
+        </p:spPr>
+        <p:txBody>
+          <a:bodyPr vert="horz" lIns="91440" tIns="45720" rIns="91440" bIns="45720" rtlCol="0" anchor="ctr">
+            <a:normAutofit/>
+          </a:bodyPr>
           <a:lstStyle/>
           <a:p>
-            <a:endParaRPr lang="en-US"/>
-          </a:p>
-        </p:txBody>
-      </p:sp>
-      <p:sp>
-        <p:nvSpPr>
-          <p:cNvPr id="3" name="Picture Placeholder 2">
+            <a:pPr algn="r"/>
+            <a:r>
+              <a:rPr lang="en-US" sz="4000" dirty="0">
+                <a:solidFill>
+                  <a:srgbClr val="FFFFFF"/>
+                </a:solidFill>
+              </a:rPr>
+              <a:t>Daniel Segan</a:t>
+            </a:r>
+          </a:p>
+        </p:txBody>
+      </p:sp>
+      <p:cxnSp>
+        <p:nvCxnSpPr>
+          <p:cNvPr id="28" name="Straight Connector 27">
             <a:extLst>
               <a:ext uri="{FF2B5EF4-FFF2-40B4-BE49-F238E27FC236}">
-                <a16:creationId xmlns:a16="http://schemas.microsoft.com/office/drawing/2014/main" id="{B758D036-EC73-4C6B-A76C-BF18E07CE712}"/>
+                <a16:creationId xmlns:a16="http://schemas.microsoft.com/office/drawing/2014/main" id="{67182200-4859-4C8D-BCBB-55B245C28BA3}"/>
+              </a:ext>
+              <a:ext uri="{C183D7F6-B498-43B3-948B-1728B52AA6E4}">
+                <adec:decorative xmlns:adec="http://schemas.microsoft.com/office/drawing/2017/decorative" val="1"/>
               </a:ext>
             </a:extLst>
           </p:cNvPr>
-          <p:cNvSpPr>
-            <a:spLocks noGrp="1"/>
-          </p:cNvSpPr>
-          <p:nvPr>
-            <p:ph type="pic" idx="1"/>
-          </p:nvPr>
-        </p:nvSpPr>
-        <p:spPr/>
-      </p:sp>
-      <p:sp>
-        <p:nvSpPr>
-          <p:cNvPr id="4" name="Text Placeholder 3">
+          <p:cNvCxnSpPr>
+            <a:cxnSpLocks noGrp="1" noRot="1" noChangeAspect="1" noMove="1" noResize="1" noEditPoints="1" noAdjustHandles="1" noChangeArrowheads="1" noChangeShapeType="1"/>
+          </p:cNvCxnSpPr>
+          <p:nvPr>
+            <p:extLst>
+              <p:ext uri="{386F3935-93C4-4BCD-93E2-E3B085C9AB24}">
+                <p16:designElem xmlns:p16="http://schemas.microsoft.com/office/powerpoint/2015/main" val="1"/>
+              </p:ext>
+            </p:extLst>
+          </p:nvPr>
+        </p:nvCxnSpPr>
+        <p:spPr>
+          <a:xfrm>
+            <a:off x="4653372" y="2286000"/>
+            <a:ext cx="0" cy="2286000"/>
+          </a:xfrm>
+          <a:prstGeom prst="line">
+            <a:avLst/>
+          </a:prstGeom>
+          <a:ln w="15875">
+            <a:solidFill>
+              <a:srgbClr val="FFFFFF"/>
+            </a:solidFill>
+          </a:ln>
+        </p:spPr>
+        <p:style>
+          <a:lnRef idx="1">
+            <a:schemeClr val="accent1"/>
+          </a:lnRef>
+          <a:fillRef idx="0">
+            <a:schemeClr val="accent1"/>
+          </a:fillRef>
+          <a:effectRef idx="0">
+            <a:schemeClr val="accent1"/>
+          </a:effectRef>
+          <a:fontRef idx="minor">
+            <a:schemeClr val="tx1"/>
+          </a:fontRef>
+        </p:style>
+      </p:cxnSp>
+      <p:sp>
+        <p:nvSpPr>
+          <p:cNvPr id="11" name="TextBox 10">
             <a:extLst>
               <a:ext uri="{FF2B5EF4-FFF2-40B4-BE49-F238E27FC236}">
-                <a16:creationId xmlns:a16="http://schemas.microsoft.com/office/drawing/2014/main" id="{56B85BBC-606F-49D2-A48B-7B661DCC0613}"/>
+                <a16:creationId xmlns:a16="http://schemas.microsoft.com/office/drawing/2014/main" id="{AEDA29C0-1CDA-472D-8187-519B7CE9EC13}"/>
               </a:ext>
             </a:extLst>
           </p:cNvPr>
-          <p:cNvSpPr>
-            <a:spLocks noGrp="1"/>
-          </p:cNvSpPr>
-          <p:nvPr>
-            <p:ph type="body" sz="half" idx="2"/>
-          </p:nvPr>
-        </p:nvSpPr>
-        <p:spPr/>
-        <p:txBody>
-          <a:bodyPr/>
+          <p:cNvSpPr txBox="1"/>
+          <p:nvPr/>
+        </p:nvSpPr>
+        <p:spPr>
+          <a:xfrm>
+            <a:off x="645469" y="5530334"/>
+            <a:ext cx="5450531" cy="369332"/>
+          </a:xfrm>
+          <a:prstGeom prst="rect">
+            <a:avLst/>
+          </a:prstGeom>
+          <a:noFill/>
+        </p:spPr>
+        <p:txBody>
+          <a:bodyPr wrap="none" rtlCol="0">
+            <a:spAutoFit/>
+          </a:bodyPr>
           <a:lstStyle/>
           <a:p>
-            <a:endParaRPr lang="en-US"/>
+            <a:r>
+              <a:rPr lang="en-US" dirty="0">
+                <a:hlinkClick r:id="rId4"/>
+              </a:rPr>
+              <a:t>dsegan@me.com</a:t>
+            </a:r>
+            <a:r>
+              <a:rPr lang="en-US" dirty="0"/>
+              <a:t> | </a:t>
+            </a:r>
+            <a:r>
+              <a:rPr lang="en-US" dirty="0">
+                <a:solidFill>
+                  <a:schemeClr val="tx2"/>
+                </a:solidFill>
+                <a:latin typeface="Font Awesome 5 Brands" panose="02000503000000000000" pitchFamily="2" charset="0"/>
+              </a:rPr>
+              <a:t></a:t>
+            </a:r>
+            <a:r>
+              <a:rPr lang="en-US" dirty="0">
+                <a:solidFill>
+                  <a:srgbClr val="495057"/>
+                </a:solidFill>
+                <a:latin typeface="Font Awesome 5 Brands" panose="02000503000000000000" pitchFamily="2" charset="0"/>
+              </a:rPr>
+              <a:t>  </a:t>
+            </a:r>
+            <a:r>
+              <a:rPr lang="en-US" dirty="0">
+                <a:solidFill>
+                  <a:srgbClr val="495057"/>
+                </a:solidFill>
+              </a:rPr>
+              <a:t> </a:t>
+            </a:r>
+            <a:r>
+              <a:rPr lang="en-US" dirty="0"/>
+              <a:t>@</a:t>
+            </a:r>
+            <a:r>
+              <a:rPr lang="en-US" dirty="0" err="1"/>
+              <a:t>dsegan</a:t>
+            </a:r>
+            <a:r>
+              <a:rPr lang="en-US" dirty="0"/>
+              <a:t> | </a:t>
+            </a:r>
+            <a:r>
+              <a:rPr lang="en-US" dirty="0">
+                <a:solidFill>
+                  <a:schemeClr val="tx2"/>
+                </a:solidFill>
+                <a:latin typeface="Font Awesome 5 Brands" panose="02000503000000000000" pitchFamily="2" charset="0"/>
+              </a:rPr>
+              <a:t></a:t>
+            </a:r>
+            <a:r>
+              <a:rPr lang="en-US" dirty="0"/>
+              <a:t> </a:t>
+            </a:r>
+            <a:r>
+              <a:rPr lang="en-US" dirty="0" err="1"/>
+              <a:t>danielsegan</a:t>
+            </a:r>
+            <a:endParaRPr lang="en-US" dirty="0"/>
           </a:p>
         </p:txBody>
       </p:sp>
     </p:spTree>
     <p:extLst>
       <p:ext uri="{BB962C8B-B14F-4D97-AF65-F5344CB8AC3E}">
-        <p14:creationId xmlns:p14="http://schemas.microsoft.com/office/powerpoint/2010/main" val="3158345583"/>
+        <p14:creationId xmlns:p14="http://schemas.microsoft.com/office/powerpoint/2010/main" val="4134295343"/>
       </p:ext>
     </p:extLst>
   </p:cSld>
   <p:clrMapOvr>
-    <a:masterClrMapping/>
+    <a:overrideClrMapping bg1="dk1" tx1="lt1" bg2="dk2" tx2="lt2" accent1="accent1" accent2="accent2" accent3="accent3" accent4="accent4" accent5="accent5" accent6="accent6" hlink="hlink" folHlink="folHlink"/>
   </p:clrMapOvr>
 </p:sld>
 </file>
@@ -9400,7 +9628,7 @@
           <a:p>
             <a:r>
               <a:rPr lang="en-US" dirty="0"/>
-              <a:t>EF Core New Stuff…</a:t>
+              <a:t>EF Core DB Support</a:t>
             </a:r>
           </a:p>
         </p:txBody>
@@ -9426,14 +9654,14 @@
           <a:bodyPr/>
           <a:lstStyle/>
           <a:p>
-            <a:endParaRPr lang="en-US" dirty="0"/>
+            <a:endParaRPr lang="en-US"/>
           </a:p>
         </p:txBody>
       </p:sp>
     </p:spTree>
     <p:extLst>
       <p:ext uri="{BB962C8B-B14F-4D97-AF65-F5344CB8AC3E}">
-        <p14:creationId xmlns:p14="http://schemas.microsoft.com/office/powerpoint/2010/main" val="3737859940"/>
+        <p14:creationId xmlns:p14="http://schemas.microsoft.com/office/powerpoint/2010/main" val="2103029893"/>
       </p:ext>
     </p:extLst>
   </p:cSld>
@@ -9483,89 +9711,6 @@
           <a:p>
             <a:r>
               <a:rPr lang="en-US" dirty="0"/>
-              <a:t>EF Core DB Support</a:t>
-            </a:r>
-          </a:p>
-        </p:txBody>
-      </p:sp>
-      <p:sp>
-        <p:nvSpPr>
-          <p:cNvPr id="3" name="Content Placeholder 2">
-            <a:extLst>
-              <a:ext uri="{FF2B5EF4-FFF2-40B4-BE49-F238E27FC236}">
-                <a16:creationId xmlns:a16="http://schemas.microsoft.com/office/drawing/2014/main" id="{7560D6CA-5662-4132-8E0C-7036F214ABD8}"/>
-              </a:ext>
-            </a:extLst>
-          </p:cNvPr>
-          <p:cNvSpPr>
-            <a:spLocks noGrp="1"/>
-          </p:cNvSpPr>
-          <p:nvPr>
-            <p:ph idx="1"/>
-          </p:nvPr>
-        </p:nvSpPr>
-        <p:spPr/>
-        <p:txBody>
-          <a:bodyPr/>
-          <a:lstStyle/>
-          <a:p>
-            <a:endParaRPr lang="en-US"/>
-          </a:p>
-        </p:txBody>
-      </p:sp>
-    </p:spTree>
-    <p:extLst>
-      <p:ext uri="{BB962C8B-B14F-4D97-AF65-F5344CB8AC3E}">
-        <p14:creationId xmlns:p14="http://schemas.microsoft.com/office/powerpoint/2010/main" val="2103029893"/>
-      </p:ext>
-    </p:extLst>
-  </p:cSld>
-  <p:clrMapOvr>
-    <a:masterClrMapping/>
-  </p:clrMapOvr>
-</p:sld>
-</file>
-
-<file path=ppt/slides/slide12.xml><?xml version="1.0" encoding="utf-8"?>
-<p:sld xmlns:a="http://schemas.openxmlformats.org/drawingml/2006/main" xmlns:r="http://schemas.openxmlformats.org/officeDocument/2006/relationships" xmlns:p="http://schemas.openxmlformats.org/presentationml/2006/main">
-  <p:cSld>
-    <p:spTree>
-      <p:nvGrpSpPr>
-        <p:cNvPr id="1" name=""/>
-        <p:cNvGrpSpPr/>
-        <p:nvPr/>
-      </p:nvGrpSpPr>
-      <p:grpSpPr>
-        <a:xfrm>
-          <a:off x="0" y="0"/>
-          <a:ext cx="0" cy="0"/>
-          <a:chOff x="0" y="0"/>
-          <a:chExt cx="0" cy="0"/>
-        </a:xfrm>
-      </p:grpSpPr>
-      <p:sp>
-        <p:nvSpPr>
-          <p:cNvPr id="2" name="Title 1">
-            <a:extLst>
-              <a:ext uri="{FF2B5EF4-FFF2-40B4-BE49-F238E27FC236}">
-                <a16:creationId xmlns:a16="http://schemas.microsoft.com/office/drawing/2014/main" id="{5E7A0152-8746-4DF9-9130-036A6B5C40A6}"/>
-              </a:ext>
-            </a:extLst>
-          </p:cNvPr>
-          <p:cNvSpPr>
-            <a:spLocks noGrp="1"/>
-          </p:cNvSpPr>
-          <p:nvPr>
-            <p:ph type="title"/>
-          </p:nvPr>
-        </p:nvSpPr>
-        <p:spPr/>
-        <p:txBody>
-          <a:bodyPr/>
-          <a:lstStyle/>
-          <a:p>
-            <a:r>
-              <a:rPr lang="en-US" dirty="0"/>
               <a:t>EF Core Performance </a:t>
             </a:r>
           </a:p>
@@ -9609,7 +9754,7 @@
 </p:sld>
 </file>
 
-<file path=ppt/slides/slide13.xml><?xml version="1.0" encoding="utf-8"?>
+<file path=ppt/slides/slide12.xml><?xml version="1.0" encoding="utf-8"?>
 <p:sld xmlns:a="http://schemas.openxmlformats.org/drawingml/2006/main" xmlns:r="http://schemas.openxmlformats.org/officeDocument/2006/relationships" xmlns:p="http://schemas.openxmlformats.org/presentationml/2006/main">
   <p:cSld>
     <p:bg>
@@ -9831,6 +9976,89 @@
 </p:sld>
 </file>
 
+<file path=ppt/slides/slide13.xml><?xml version="1.0" encoding="utf-8"?>
+<p:sld xmlns:a="http://schemas.openxmlformats.org/drawingml/2006/main" xmlns:r="http://schemas.openxmlformats.org/officeDocument/2006/relationships" xmlns:p="http://schemas.openxmlformats.org/presentationml/2006/main">
+  <p:cSld>
+    <p:spTree>
+      <p:nvGrpSpPr>
+        <p:cNvPr id="1" name=""/>
+        <p:cNvGrpSpPr/>
+        <p:nvPr/>
+      </p:nvGrpSpPr>
+      <p:grpSpPr>
+        <a:xfrm>
+          <a:off x="0" y="0"/>
+          <a:ext cx="0" cy="0"/>
+          <a:chOff x="0" y="0"/>
+          <a:chExt cx="0" cy="0"/>
+        </a:xfrm>
+      </p:grpSpPr>
+      <p:sp>
+        <p:nvSpPr>
+          <p:cNvPr id="2" name="Title 1">
+            <a:extLst>
+              <a:ext uri="{FF2B5EF4-FFF2-40B4-BE49-F238E27FC236}">
+                <a16:creationId xmlns:a16="http://schemas.microsoft.com/office/drawing/2014/main" id="{5E7A0152-8746-4DF9-9130-036A6B5C40A6}"/>
+              </a:ext>
+            </a:extLst>
+          </p:cNvPr>
+          <p:cNvSpPr>
+            <a:spLocks noGrp="1"/>
+          </p:cNvSpPr>
+          <p:nvPr>
+            <p:ph type="title"/>
+          </p:nvPr>
+        </p:nvSpPr>
+        <p:spPr/>
+        <p:txBody>
+          <a:bodyPr/>
+          <a:lstStyle/>
+          <a:p>
+            <a:r>
+              <a:rPr lang="en-US" dirty="0"/>
+              <a:t>EF Core Concepts </a:t>
+            </a:r>
+          </a:p>
+        </p:txBody>
+      </p:sp>
+      <p:sp>
+        <p:nvSpPr>
+          <p:cNvPr id="3" name="Content Placeholder 2">
+            <a:extLst>
+              <a:ext uri="{FF2B5EF4-FFF2-40B4-BE49-F238E27FC236}">
+                <a16:creationId xmlns:a16="http://schemas.microsoft.com/office/drawing/2014/main" id="{7560D6CA-5662-4132-8E0C-7036F214ABD8}"/>
+              </a:ext>
+            </a:extLst>
+          </p:cNvPr>
+          <p:cNvSpPr>
+            <a:spLocks noGrp="1"/>
+          </p:cNvSpPr>
+          <p:nvPr>
+            <p:ph idx="1"/>
+          </p:nvPr>
+        </p:nvSpPr>
+        <p:spPr/>
+        <p:txBody>
+          <a:bodyPr/>
+          <a:lstStyle/>
+          <a:p>
+            <a:endParaRPr lang="en-US"/>
+          </a:p>
+        </p:txBody>
+      </p:sp>
+    </p:spTree>
+    <p:extLst>
+      <p:ext uri="{BB962C8B-B14F-4D97-AF65-F5344CB8AC3E}">
+        <p14:creationId xmlns:p14="http://schemas.microsoft.com/office/powerpoint/2010/main" val="1127721481"/>
+      </p:ext>
+    </p:extLst>
+  </p:cSld>
+  <p:clrMapOvr>
+    <a:masterClrMapping/>
+  </p:clrMapOvr>
+</p:sld>
+</file>
+
 <file path=ppt/slides/slide14.xml><?xml version="1.0" encoding="utf-8"?>
 <p:sld xmlns:a="http://schemas.openxmlformats.org/drawingml/2006/main" xmlns:r="http://schemas.openxmlformats.org/officeDocument/2006/relationships" xmlns:p="http://schemas.openxmlformats.org/presentationml/2006/main">
   <p:cSld>
@@ -9904,7 +10132,7 @@
     </p:spTree>
     <p:extLst>
       <p:ext uri="{BB962C8B-B14F-4D97-AF65-F5344CB8AC3E}">
-        <p14:creationId xmlns:p14="http://schemas.microsoft.com/office/powerpoint/2010/main" val="1127721481"/>
+        <p14:creationId xmlns:p14="http://schemas.microsoft.com/office/powerpoint/2010/main" val="4240921096"/>
       </p:ext>
     </p:extLst>
   </p:cSld>
@@ -9954,7 +10182,7 @@
           <a:p>
             <a:r>
               <a:rPr lang="en-US" dirty="0"/>
-              <a:t>EF Core Concepts </a:t>
+              <a:t>EF Core Tooling: Visual Studio </a:t>
             </a:r>
           </a:p>
         </p:txBody>
@@ -9987,7 +10215,7 @@
     </p:spTree>
     <p:extLst>
       <p:ext uri="{BB962C8B-B14F-4D97-AF65-F5344CB8AC3E}">
-        <p14:creationId xmlns:p14="http://schemas.microsoft.com/office/powerpoint/2010/main" val="4240921096"/>
+        <p14:creationId xmlns:p14="http://schemas.microsoft.com/office/powerpoint/2010/main" val="2090994746"/>
       </p:ext>
     </p:extLst>
   </p:cSld>
@@ -10030,15 +10258,21 @@
             <p:ph type="title"/>
           </p:nvPr>
         </p:nvSpPr>
-        <p:spPr/>
+        <p:spPr>
+          <a:xfrm>
+            <a:off x="838200" y="365125"/>
+            <a:ext cx="10515600" cy="1325563"/>
+          </a:xfrm>
+        </p:spPr>
         <p:txBody>
           <a:bodyPr/>
           <a:lstStyle/>
           <a:p>
             <a:r>
-              <a:rPr lang="en-US" dirty="0"/>
-              <a:t>EF Core Tooling: Visual Studio </a:t>
-            </a:r>
+              <a:rPr lang="en-US"/>
+              <a:t>EF Core Tooling: CLI / VS Code</a:t>
+            </a:r>
+            <a:endParaRPr lang="en-US" dirty="0"/>
           </a:p>
         </p:txBody>
       </p:sp>
@@ -10070,7 +10304,7 @@
     </p:spTree>
     <p:extLst>
       <p:ext uri="{BB962C8B-B14F-4D97-AF65-F5344CB8AC3E}">
-        <p14:creationId xmlns:p14="http://schemas.microsoft.com/office/powerpoint/2010/main" val="2090994746"/>
+        <p14:creationId xmlns:p14="http://schemas.microsoft.com/office/powerpoint/2010/main" val="2457647408"/>
       </p:ext>
     </p:extLst>
   </p:cSld>
@@ -10083,6 +10317,14 @@
 <file path=ppt/slides/slide17.xml><?xml version="1.0" encoding="utf-8"?>
 <p:sld xmlns:a="http://schemas.openxmlformats.org/drawingml/2006/main" xmlns:r="http://schemas.openxmlformats.org/officeDocument/2006/relationships" xmlns:p="http://schemas.openxmlformats.org/presentationml/2006/main">
   <p:cSld>
+    <p:bg>
+      <p:bgPr>
+        <a:solidFill>
+          <a:schemeClr val="bg1"/>
+        </a:solidFill>
+        <a:effectLst/>
+      </p:bgPr>
+    </p:bg>
     <p:spTree>
       <p:nvGrpSpPr>
         <p:cNvPr id="1" name=""/>
@@ -10099,10 +10341,75 @@
       </p:grpSpPr>
       <p:sp>
         <p:nvSpPr>
+          <p:cNvPr id="8" name="Rectangle 7">
+            <a:extLst>
+              <a:ext uri="{FF2B5EF4-FFF2-40B4-BE49-F238E27FC236}">
+                <a16:creationId xmlns:a16="http://schemas.microsoft.com/office/drawing/2014/main" id="{8D70B121-56F4-4848-B38B-182089D909FA}"/>
+              </a:ext>
+              <a:ext uri="{C183D7F6-B498-43B3-948B-1728B52AA6E4}">
+                <adec:decorative xmlns:adec="http://schemas.microsoft.com/office/drawing/2017/decorative" val="1"/>
+              </a:ext>
+            </a:extLst>
+          </p:cNvPr>
+          <p:cNvSpPr>
+            <a:spLocks noGrp="1" noRot="1" noChangeAspect="1" noMove="1" noResize="1" noEditPoints="1" noAdjustHandles="1" noChangeArrowheads="1" noChangeShapeType="1" noTextEdit="1"/>
+          </p:cNvSpPr>
+          <p:nvPr>
+            <p:extLst>
+              <p:ext uri="{386F3935-93C4-4BCD-93E2-E3B085C9AB24}">
+                <p16:designElem xmlns:p16="http://schemas.microsoft.com/office/powerpoint/2015/main" val="1"/>
+              </p:ext>
+            </p:extLst>
+          </p:nvPr>
+        </p:nvSpPr>
+        <p:spPr bwMode="ltGray">
+          <a:xfrm>
+            <a:off x="321564" y="320040"/>
+            <a:ext cx="11548872" cy="6217920"/>
+          </a:xfrm>
+          <a:prstGeom prst="rect">
+            <a:avLst/>
+          </a:prstGeom>
+          <a:solidFill>
+            <a:schemeClr val="tx1">
+              <a:alpha val="8000"/>
+            </a:schemeClr>
+          </a:solidFill>
+          <a:ln w="127000" cap="sq" cmpd="thinThick">
+            <a:noFill/>
+          </a:ln>
+        </p:spPr>
+        <p:style>
+          <a:lnRef idx="2">
+            <a:schemeClr val="accent1">
+              <a:shade val="50000"/>
+            </a:schemeClr>
+          </a:lnRef>
+          <a:fillRef idx="1">
+            <a:schemeClr val="accent1"/>
+          </a:fillRef>
+          <a:effectRef idx="0">
+            <a:schemeClr val="accent1"/>
+          </a:effectRef>
+          <a:fontRef idx="minor">
+            <a:schemeClr val="lt1"/>
+          </a:fontRef>
+        </p:style>
+        <p:txBody>
+          <a:bodyPr rtlCol="0" anchor="ctr"/>
+          <a:lstStyle/>
+          <a:p>
+            <a:pPr algn="ctr"/>
+            <a:endParaRPr lang="en-US"/>
+          </a:p>
+        </p:txBody>
+      </p:sp>
+      <p:sp>
+        <p:nvSpPr>
           <p:cNvPr id="2" name="Title 1">
             <a:extLst>
               <a:ext uri="{FF2B5EF4-FFF2-40B4-BE49-F238E27FC236}">
-                <a16:creationId xmlns:a16="http://schemas.microsoft.com/office/drawing/2014/main" id="{5E7A0152-8746-4DF9-9130-036A6B5C40A6}"/>
+                <a16:creationId xmlns:a16="http://schemas.microsoft.com/office/drawing/2014/main" id="{0D83DA6B-5692-4314-BB04-71D8B146B45A}"/>
               </a:ext>
             </a:extLst>
           </p:cNvPr>
@@ -10115,28 +10422,89 @@
         </p:nvSpPr>
         <p:spPr>
           <a:xfrm>
-            <a:off x="838200" y="365125"/>
-            <a:ext cx="10515600" cy="1325563"/>
+            <a:off x="838200" y="963877"/>
+            <a:ext cx="3494362" cy="4930246"/>
           </a:xfrm>
         </p:spPr>
         <p:txBody>
-          <a:bodyPr/>
+          <a:bodyPr>
+            <a:normAutofit/>
+          </a:bodyPr>
           <a:lstStyle/>
           <a:p>
-            <a:r>
-              <a:rPr lang="en-US"/>
-              <a:t>EF Core Tooling: CLI / VS Code</a:t>
-            </a:r>
-            <a:endParaRPr lang="en-US" dirty="0"/>
-          </a:p>
-        </p:txBody>
-      </p:sp>
+            <a:pPr algn="r"/>
+            <a:r>
+              <a:rPr lang="en-US" dirty="0">
+                <a:solidFill>
+                  <a:schemeClr val="accent1"/>
+                </a:solidFill>
+              </a:rPr>
+              <a:t>Demo 1: Tooling</a:t>
+            </a:r>
+          </a:p>
+        </p:txBody>
+      </p:sp>
+      <p:cxnSp>
+        <p:nvCxnSpPr>
+          <p:cNvPr id="10" name="Straight Connector 9">
+            <a:extLst>
+              <a:ext uri="{FF2B5EF4-FFF2-40B4-BE49-F238E27FC236}">
+                <a16:creationId xmlns:a16="http://schemas.microsoft.com/office/drawing/2014/main" id="{2D72A2C9-F3CA-4216-8BAD-FA4C970C3C4E}"/>
+              </a:ext>
+              <a:ext uri="{C183D7F6-B498-43B3-948B-1728B52AA6E4}">
+                <adec:decorative xmlns:adec="http://schemas.microsoft.com/office/drawing/2017/decorative" val="1"/>
+              </a:ext>
+            </a:extLst>
+          </p:cNvPr>
+          <p:cNvCxnSpPr>
+            <a:cxnSpLocks noGrp="1" noRot="1" noChangeAspect="1" noMove="1" noResize="1" noEditPoints="1" noAdjustHandles="1" noChangeArrowheads="1" noChangeShapeType="1"/>
+          </p:cNvCxnSpPr>
+          <p:nvPr>
+            <p:extLst>
+              <p:ext uri="{386F3935-93C4-4BCD-93E2-E3B085C9AB24}">
+                <p16:designElem xmlns:p16="http://schemas.microsoft.com/office/powerpoint/2015/main" val="1"/>
+              </p:ext>
+            </p:extLst>
+          </p:nvPr>
+        </p:nvCxnSpPr>
+        <p:spPr>
+          <a:xfrm>
+            <a:off x="4654296" y="2057400"/>
+            <a:ext cx="0" cy="2743200"/>
+          </a:xfrm>
+          <a:prstGeom prst="line">
+            <a:avLst/>
+          </a:prstGeom>
+          <a:ln w="19050">
+            <a:solidFill>
+              <a:schemeClr val="tx1">
+                <a:lumMod val="85000"/>
+                <a:lumOff val="15000"/>
+              </a:schemeClr>
+            </a:solidFill>
+          </a:ln>
+        </p:spPr>
+        <p:style>
+          <a:lnRef idx="1">
+            <a:schemeClr val="accent1"/>
+          </a:lnRef>
+          <a:fillRef idx="0">
+            <a:schemeClr val="accent1"/>
+          </a:fillRef>
+          <a:effectRef idx="0">
+            <a:schemeClr val="accent1"/>
+          </a:effectRef>
+          <a:fontRef idx="minor">
+            <a:schemeClr val="tx1"/>
+          </a:fontRef>
+        </p:style>
+      </p:cxnSp>
       <p:sp>
         <p:nvSpPr>
           <p:cNvPr id="3" name="Content Placeholder 2">
             <a:extLst>
               <a:ext uri="{FF2B5EF4-FFF2-40B4-BE49-F238E27FC236}">
-                <a16:creationId xmlns:a16="http://schemas.microsoft.com/office/drawing/2014/main" id="{7560D6CA-5662-4132-8E0C-7036F214ABD8}"/>
+                <a16:creationId xmlns:a16="http://schemas.microsoft.com/office/drawing/2014/main" id="{FADE4337-0C42-4FCF-882C-13BA150337F3}"/>
               </a:ext>
             </a:extLst>
           </p:cNvPr>
@@ -10147,19 +10515,35 @@
             <p:ph idx="1"/>
           </p:nvPr>
         </p:nvSpPr>
-        <p:spPr/>
-        <p:txBody>
-          <a:bodyPr/>
+        <p:spPr>
+          <a:xfrm>
+            <a:off x="4976031" y="963877"/>
+            <a:ext cx="6377769" cy="4930246"/>
+          </a:xfrm>
+        </p:spPr>
+        <p:txBody>
+          <a:bodyPr anchor="ctr">
+            <a:normAutofit/>
+          </a:bodyPr>
           <a:lstStyle/>
           <a:p>
-            <a:endParaRPr lang="en-US"/>
+            <a:r>
+              <a:rPr lang="en-US" sz="2400" dirty="0"/>
+              <a:t>Visual Studio 2017</a:t>
+            </a:r>
+          </a:p>
+          <a:p>
+            <a:r>
+              <a:rPr lang="en-US" sz="2400" dirty="0"/>
+              <a:t>VS Code &amp; CLI</a:t>
+            </a:r>
           </a:p>
         </p:txBody>
       </p:sp>
     </p:spTree>
     <p:extLst>
       <p:ext uri="{BB962C8B-B14F-4D97-AF65-F5344CB8AC3E}">
-        <p14:creationId xmlns:p14="http://schemas.microsoft.com/office/powerpoint/2010/main" val="2457647408"/>
+        <p14:creationId xmlns:p14="http://schemas.microsoft.com/office/powerpoint/2010/main" val="774252072"/>
       </p:ext>
     </p:extLst>
   </p:cSld>
@@ -10294,7 +10678,22 @@
                   <a:schemeClr val="accent1"/>
                 </a:solidFill>
               </a:rPr>
-              <a:t>Demo 1: Tooling</a:t>
+              <a:t>Demo 2: </a:t>
+            </a:r>
+            <a:br>
+              <a:rPr lang="en-US" dirty="0">
+                <a:solidFill>
+                  <a:schemeClr val="accent1"/>
+                </a:solidFill>
+              </a:rPr>
+            </a:br>
+            <a:r>
+              <a:rPr lang="en-US" dirty="0">
+                <a:solidFill>
+                  <a:schemeClr val="accent1"/>
+                </a:solidFill>
+              </a:rPr>
+              <a:t>Basics</a:t>
             </a:r>
           </a:p>
         </p:txBody>
@@ -10398,7 +10797,7 @@
     </p:spTree>
     <p:extLst>
       <p:ext uri="{BB962C8B-B14F-4D97-AF65-F5344CB8AC3E}">
-        <p14:creationId xmlns:p14="http://schemas.microsoft.com/office/powerpoint/2010/main" val="774252072"/>
+        <p14:creationId xmlns:p14="http://schemas.microsoft.com/office/powerpoint/2010/main" val="4092280301"/>
       </p:ext>
     </p:extLst>
   </p:cSld>
@@ -10533,7 +10932,7 @@
                   <a:schemeClr val="accent1"/>
                 </a:solidFill>
               </a:rPr>
-              <a:t>Demo 2: </a:t>
+              <a:t>Demo 3: </a:t>
             </a:r>
             <a:br>
               <a:rPr lang="en-US" dirty="0">
@@ -10548,7 +10947,7 @@
                   <a:schemeClr val="accent1"/>
                 </a:solidFill>
               </a:rPr>
-              <a:t>Basics</a:t>
+              <a:t>Migrations</a:t>
             </a:r>
           </a:p>
         </p:txBody>
@@ -10652,7 +11051,7 @@
     </p:spTree>
     <p:extLst>
       <p:ext uri="{BB962C8B-B14F-4D97-AF65-F5344CB8AC3E}">
-        <p14:creationId xmlns:p14="http://schemas.microsoft.com/office/powerpoint/2010/main" val="4092280301"/>
+        <p14:creationId xmlns:p14="http://schemas.microsoft.com/office/powerpoint/2010/main" val="3625047020"/>
       </p:ext>
     </p:extLst>
   </p:cSld>
@@ -10689,335 +11088,7 @@
       </p:grpSpPr>
       <p:sp>
         <p:nvSpPr>
-          <p:cNvPr id="26" name="Rectangle 25">
-            <a:extLst>
-              <a:ext uri="{FF2B5EF4-FFF2-40B4-BE49-F238E27FC236}">
-                <a16:creationId xmlns:a16="http://schemas.microsoft.com/office/drawing/2014/main" id="{C5E6CFF1-2F42-4E10-9A97-F116F46F53FE}"/>
-              </a:ext>
-              <a:ext uri="{C183D7F6-B498-43B3-948B-1728B52AA6E4}">
-                <adec:decorative xmlns:adec="http://schemas.microsoft.com/office/drawing/2017/decorative" val="1"/>
-              </a:ext>
-            </a:extLst>
-          </p:cNvPr>
-          <p:cNvSpPr>
-            <a:spLocks noGrp="1" noRot="1" noChangeAspect="1" noMove="1" noResize="1" noEditPoints="1" noAdjustHandles="1" noChangeArrowheads="1" noChangeShapeType="1" noTextEdit="1"/>
-          </p:cNvSpPr>
-          <p:nvPr>
-            <p:extLst>
-              <p:ext uri="{386F3935-93C4-4BCD-93E2-E3B085C9AB24}">
-                <p16:designElem xmlns:p16="http://schemas.microsoft.com/office/powerpoint/2015/main" val="1"/>
-              </p:ext>
-            </p:extLst>
-          </p:nvPr>
-        </p:nvSpPr>
-        <p:spPr>
-          <a:xfrm>
-            <a:off x="0" y="0"/>
-            <a:ext cx="12192000" cy="6858000"/>
-          </a:xfrm>
-          <a:prstGeom prst="rect">
-            <a:avLst/>
-          </a:prstGeom>
-          <a:solidFill>
-            <a:srgbClr val="000000"/>
-          </a:solidFill>
-          <a:ln>
-            <a:noFill/>
-          </a:ln>
-        </p:spPr>
-        <p:style>
-          <a:lnRef idx="2">
-            <a:schemeClr val="accent1">
-              <a:shade val="50000"/>
-            </a:schemeClr>
-          </a:lnRef>
-          <a:fillRef idx="1">
-            <a:schemeClr val="accent1"/>
-          </a:fillRef>
-          <a:effectRef idx="0">
-            <a:schemeClr val="accent1"/>
-          </a:effectRef>
-          <a:fontRef idx="minor">
-            <a:schemeClr val="lt1"/>
-          </a:fontRef>
-        </p:style>
-        <p:txBody>
-          <a:bodyPr rtlCol="0" anchor="ctr"/>
-          <a:lstStyle/>
-          <a:p>
-            <a:pPr algn="ctr"/>
-            <a:endParaRPr lang="en-US"/>
-          </a:p>
-        </p:txBody>
-      </p:sp>
-      <p:pic>
-        <p:nvPicPr>
-          <p:cNvPr id="10" name="Picture Placeholder 9" descr="A person wearing a suit and tie smiling at the camera&#10;&#10;Description generated with very high confidence">
-            <a:extLst>
-              <a:ext uri="{FF2B5EF4-FFF2-40B4-BE49-F238E27FC236}">
-                <a16:creationId xmlns:a16="http://schemas.microsoft.com/office/drawing/2014/main" id="{3C1B86BC-1DA4-4DFD-8B74-31640BD63A3D}"/>
-              </a:ext>
-            </a:extLst>
-          </p:cNvPr>
-          <p:cNvPicPr>
-            <a:picLocks noGrp="1" noChangeAspect="1"/>
-          </p:cNvPicPr>
-          <p:nvPr>
-            <p:ph type="pic" idx="1"/>
-          </p:nvPr>
-        </p:nvPicPr>
-        <p:blipFill rotWithShape="1">
-          <a:blip r:embed="rId3">
-            <a:alphaModFix amt="35000"/>
-            <a:extLst>
-              <a:ext uri="{28A0092B-C50C-407E-A947-70E740481C1C}">
-                <a14:useLocalDpi xmlns:a14="http://schemas.microsoft.com/office/drawing/2010/main" val="0"/>
-              </a:ext>
-            </a:extLst>
-          </a:blip>
-          <a:srcRect t="10943" b="4151"/>
-          <a:stretch/>
-        </p:blipFill>
-        <p:spPr>
-          <a:xfrm>
-            <a:off x="20" y="10"/>
-            <a:ext cx="12191980" cy="6857990"/>
-          </a:xfrm>
-          <a:prstGeom prst="rect">
-            <a:avLst/>
-          </a:prstGeom>
-        </p:spPr>
-      </p:pic>
-      <p:sp>
-        <p:nvSpPr>
-          <p:cNvPr id="2" name="Title 1">
-            <a:extLst>
-              <a:ext uri="{FF2B5EF4-FFF2-40B4-BE49-F238E27FC236}">
-                <a16:creationId xmlns:a16="http://schemas.microsoft.com/office/drawing/2014/main" id="{27D78C93-F2E4-48D7-82F7-3C4C298C0385}"/>
-              </a:ext>
-            </a:extLst>
-          </p:cNvPr>
-          <p:cNvSpPr>
-            <a:spLocks noGrp="1"/>
-          </p:cNvSpPr>
-          <p:nvPr>
-            <p:ph type="title"/>
-          </p:nvPr>
-        </p:nvSpPr>
-        <p:spPr>
-          <a:xfrm>
-            <a:off x="838201" y="1065862"/>
-            <a:ext cx="3313164" cy="4726276"/>
-          </a:xfrm>
-        </p:spPr>
-        <p:txBody>
-          <a:bodyPr vert="horz" lIns="91440" tIns="45720" rIns="91440" bIns="45720" rtlCol="0" anchor="ctr">
-            <a:normAutofit/>
-          </a:bodyPr>
-          <a:lstStyle/>
-          <a:p>
-            <a:pPr algn="r"/>
-            <a:r>
-              <a:rPr lang="en-US" sz="4000" dirty="0">
-                <a:solidFill>
-                  <a:srgbClr val="FFFFFF"/>
-                </a:solidFill>
-              </a:rPr>
-              <a:t>Daniel Segan</a:t>
-            </a:r>
-          </a:p>
-        </p:txBody>
-      </p:sp>
-      <p:cxnSp>
-        <p:nvCxnSpPr>
-          <p:cNvPr id="28" name="Straight Connector 27">
-            <a:extLst>
-              <a:ext uri="{FF2B5EF4-FFF2-40B4-BE49-F238E27FC236}">
-                <a16:creationId xmlns:a16="http://schemas.microsoft.com/office/drawing/2014/main" id="{67182200-4859-4C8D-BCBB-55B245C28BA3}"/>
-              </a:ext>
-              <a:ext uri="{C183D7F6-B498-43B3-948B-1728B52AA6E4}">
-                <adec:decorative xmlns:adec="http://schemas.microsoft.com/office/drawing/2017/decorative" val="1"/>
-              </a:ext>
-            </a:extLst>
-          </p:cNvPr>
-          <p:cNvCxnSpPr>
-            <a:cxnSpLocks noGrp="1" noRot="1" noChangeAspect="1" noMove="1" noResize="1" noEditPoints="1" noAdjustHandles="1" noChangeArrowheads="1" noChangeShapeType="1"/>
-          </p:cNvCxnSpPr>
-          <p:nvPr>
-            <p:extLst>
-              <p:ext uri="{386F3935-93C4-4BCD-93E2-E3B085C9AB24}">
-                <p16:designElem xmlns:p16="http://schemas.microsoft.com/office/powerpoint/2015/main" val="1"/>
-              </p:ext>
-            </p:extLst>
-          </p:nvPr>
-        </p:nvCxnSpPr>
-        <p:spPr>
-          <a:xfrm>
-            <a:off x="4653372" y="2286000"/>
-            <a:ext cx="0" cy="2286000"/>
-          </a:xfrm>
-          <a:prstGeom prst="line">
-            <a:avLst/>
-          </a:prstGeom>
-          <a:ln w="15875">
-            <a:solidFill>
-              <a:srgbClr val="FFFFFF"/>
-            </a:solidFill>
-          </a:ln>
-        </p:spPr>
-        <p:style>
-          <a:lnRef idx="1">
-            <a:schemeClr val="accent1"/>
-          </a:lnRef>
-          <a:fillRef idx="0">
-            <a:schemeClr val="accent1"/>
-          </a:fillRef>
-          <a:effectRef idx="0">
-            <a:schemeClr val="accent1"/>
-          </a:effectRef>
-          <a:fontRef idx="minor">
-            <a:schemeClr val="tx1"/>
-          </a:fontRef>
-        </p:style>
-      </p:cxnSp>
-      <p:sp>
-        <p:nvSpPr>
-          <p:cNvPr id="11" name="TextBox 10">
-            <a:extLst>
-              <a:ext uri="{FF2B5EF4-FFF2-40B4-BE49-F238E27FC236}">
-                <a16:creationId xmlns:a16="http://schemas.microsoft.com/office/drawing/2014/main" id="{AEDA29C0-1CDA-472D-8187-519B7CE9EC13}"/>
-              </a:ext>
-            </a:extLst>
-          </p:cNvPr>
-          <p:cNvSpPr txBox="1"/>
-          <p:nvPr/>
-        </p:nvSpPr>
-        <p:spPr>
-          <a:xfrm>
-            <a:off x="645469" y="5530334"/>
-            <a:ext cx="5450531" cy="369332"/>
-          </a:xfrm>
-          <a:prstGeom prst="rect">
-            <a:avLst/>
-          </a:prstGeom>
-          <a:noFill/>
-        </p:spPr>
-        <p:txBody>
-          <a:bodyPr wrap="none" rtlCol="0">
-            <a:spAutoFit/>
-          </a:bodyPr>
-          <a:lstStyle/>
-          <a:p>
-            <a:r>
-              <a:rPr lang="en-US" dirty="0">
-                <a:hlinkClick r:id="rId4"/>
-              </a:rPr>
-              <a:t>dsegan@me.com</a:t>
-            </a:r>
-            <a:r>
-              <a:rPr lang="en-US" dirty="0"/>
-              <a:t> | </a:t>
-            </a:r>
-            <a:r>
-              <a:rPr lang="en-US" dirty="0">
-                <a:solidFill>
-                  <a:schemeClr val="tx2"/>
-                </a:solidFill>
-                <a:latin typeface="Font Awesome 5 Brands" panose="02000503000000000000" pitchFamily="2" charset="0"/>
-              </a:rPr>
-              <a:t></a:t>
-            </a:r>
-            <a:r>
-              <a:rPr lang="en-US" dirty="0">
-                <a:solidFill>
-                  <a:srgbClr val="495057"/>
-                </a:solidFill>
-                <a:latin typeface="Font Awesome 5 Brands" panose="02000503000000000000" pitchFamily="2" charset="0"/>
-              </a:rPr>
-              <a:t>  </a:t>
-            </a:r>
-            <a:r>
-              <a:rPr lang="en-US" dirty="0">
-                <a:solidFill>
-                  <a:srgbClr val="495057"/>
-                </a:solidFill>
-              </a:rPr>
-              <a:t> </a:t>
-            </a:r>
-            <a:r>
-              <a:rPr lang="en-US" dirty="0"/>
-              <a:t>@</a:t>
-            </a:r>
-            <a:r>
-              <a:rPr lang="en-US" dirty="0" err="1"/>
-              <a:t>dsegan</a:t>
-            </a:r>
-            <a:r>
-              <a:rPr lang="en-US" dirty="0"/>
-              <a:t> | </a:t>
-            </a:r>
-            <a:r>
-              <a:rPr lang="en-US" dirty="0">
-                <a:solidFill>
-                  <a:schemeClr val="tx2"/>
-                </a:solidFill>
-                <a:latin typeface="Font Awesome 5 Brands" panose="02000503000000000000" pitchFamily="2" charset="0"/>
-              </a:rPr>
-              <a:t></a:t>
-            </a:r>
-            <a:r>
-              <a:rPr lang="en-US" dirty="0"/>
-              <a:t> </a:t>
-            </a:r>
-            <a:r>
-              <a:rPr lang="en-US" dirty="0" err="1"/>
-              <a:t>danielsegan</a:t>
-            </a:r>
-            <a:endParaRPr lang="en-US" dirty="0"/>
-          </a:p>
-        </p:txBody>
-      </p:sp>
-    </p:spTree>
-    <p:extLst>
-      <p:ext uri="{BB962C8B-B14F-4D97-AF65-F5344CB8AC3E}">
-        <p14:creationId xmlns:p14="http://schemas.microsoft.com/office/powerpoint/2010/main" val="4134295343"/>
-      </p:ext>
-    </p:extLst>
-  </p:cSld>
-  <p:clrMapOvr>
-    <a:overrideClrMapping bg1="dk1" tx1="lt1" bg2="dk2" tx2="lt2" accent1="accent1" accent2="accent2" accent3="accent3" accent4="accent4" accent5="accent5" accent6="accent6" hlink="hlink" folHlink="folHlink"/>
-  </p:clrMapOvr>
-</p:sld>
-</file>
-
-<file path=ppt/slides/slide20.xml><?xml version="1.0" encoding="utf-8"?>
-<p:sld xmlns:a="http://schemas.openxmlformats.org/drawingml/2006/main" xmlns:r="http://schemas.openxmlformats.org/officeDocument/2006/relationships" xmlns:p="http://schemas.openxmlformats.org/presentationml/2006/main">
-  <p:cSld>
-    <p:bg>
-      <p:bgPr>
-        <a:solidFill>
-          <a:schemeClr val="bg1"/>
-        </a:solidFill>
-        <a:effectLst/>
-      </p:bgPr>
-    </p:bg>
-    <p:spTree>
-      <p:nvGrpSpPr>
-        <p:cNvPr id="1" name=""/>
-        <p:cNvGrpSpPr/>
-        <p:nvPr/>
-      </p:nvGrpSpPr>
-      <p:grpSpPr>
-        <a:xfrm>
-          <a:off x="0" y="0"/>
-          <a:ext cx="0" cy="0"/>
-          <a:chOff x="0" y="0"/>
-          <a:chExt cx="0" cy="0"/>
-        </a:xfrm>
-      </p:grpSpPr>
-      <p:sp>
-        <p:nvSpPr>
-          <p:cNvPr id="8" name="Rectangle 7">
+          <p:cNvPr id="15" name="Rectangle 14">
             <a:extLst>
               <a:ext uri="{FF2B5EF4-FFF2-40B4-BE49-F238E27FC236}">
                 <a16:creationId xmlns:a16="http://schemas.microsoft.com/office/drawing/2014/main" id="{8D70B121-56F4-4848-B38B-182089D909FA}"/>
@@ -11085,7 +11156,7 @@
           <p:cNvPr id="2" name="Title 1">
             <a:extLst>
               <a:ext uri="{FF2B5EF4-FFF2-40B4-BE49-F238E27FC236}">
-                <a16:creationId xmlns:a16="http://schemas.microsoft.com/office/drawing/2014/main" id="{0D83DA6B-5692-4314-BB04-71D8B146B45A}"/>
+                <a16:creationId xmlns:a16="http://schemas.microsoft.com/office/drawing/2014/main" id="{1B1E9840-56ED-402E-9501-43800A54E848}"/>
               </a:ext>
             </a:extLst>
           </p:cNvPr>
@@ -11115,29 +11186,14 @@
                   <a:schemeClr val="accent1"/>
                 </a:solidFill>
               </a:rPr>
-              <a:t>Demo 3: </a:t>
-            </a:r>
-            <a:br>
-              <a:rPr lang="en-US" dirty="0">
-                <a:solidFill>
-                  <a:schemeClr val="accent1"/>
-                </a:solidFill>
-              </a:rPr>
-            </a:br>
-            <a:r>
-              <a:rPr lang="en-US" dirty="0">
-                <a:solidFill>
-                  <a:schemeClr val="accent1"/>
-                </a:solidFill>
-              </a:rPr>
-              <a:t>Migrations</a:t>
+              <a:t>Overview</a:t>
             </a:r>
           </a:p>
         </p:txBody>
       </p:sp>
       <p:cxnSp>
         <p:nvCxnSpPr>
-          <p:cNvPr id="10" name="Straight Connector 9">
+          <p:cNvPr id="25" name="Straight Connector 16">
             <a:extLst>
               <a:ext uri="{FF2B5EF4-FFF2-40B4-BE49-F238E27FC236}">
                 <a16:creationId xmlns:a16="http://schemas.microsoft.com/office/drawing/2014/main" id="{2D72A2C9-F3CA-4216-8BAD-FA4C970C3C4E}"/>
@@ -11195,7 +11251,7 @@
           <p:cNvPr id="3" name="Content Placeholder 2">
             <a:extLst>
               <a:ext uri="{FF2B5EF4-FFF2-40B4-BE49-F238E27FC236}">
-                <a16:creationId xmlns:a16="http://schemas.microsoft.com/office/drawing/2014/main" id="{FADE4337-0C42-4FCF-882C-13BA150337F3}"/>
+                <a16:creationId xmlns:a16="http://schemas.microsoft.com/office/drawing/2014/main" id="{EBC72149-4721-4923-9048-E6B97A898FBB}"/>
               </a:ext>
             </a:extLst>
           </p:cNvPr>
@@ -11220,13 +11276,37 @@
           <a:p>
             <a:r>
               <a:rPr lang="en-US" sz="2400" dirty="0"/>
-              <a:t>Visual Studio 2017</a:t>
+              <a:t>Brief history of Entity Framework</a:t>
             </a:r>
           </a:p>
           <a:p>
             <a:r>
               <a:rPr lang="en-US" sz="2400" dirty="0"/>
-              <a:t>VS Code &amp; CLI</a:t>
+              <a:t>EF Core vs EF 6</a:t>
+            </a:r>
+          </a:p>
+          <a:p>
+            <a:r>
+              <a:rPr lang="en-US" sz="2400" dirty="0"/>
+              <a:t>New Tooling</a:t>
+            </a:r>
+          </a:p>
+          <a:p>
+            <a:r>
+              <a:rPr lang="en-US" sz="2400" dirty="0"/>
+              <a:t>The Basics</a:t>
+            </a:r>
+          </a:p>
+          <a:p>
+            <a:r>
+              <a:rPr lang="en-US" sz="2400" dirty="0"/>
+              <a:t>Migrations</a:t>
+            </a:r>
+          </a:p>
+          <a:p>
+            <a:r>
+              <a:rPr lang="en-US" sz="2400" dirty="0"/>
+              <a:t>Complex Relationships</a:t>
             </a:r>
           </a:p>
         </p:txBody>
@@ -11234,7 +11314,266 @@
     </p:spTree>
     <p:extLst>
       <p:ext uri="{BB962C8B-B14F-4D97-AF65-F5344CB8AC3E}">
-        <p14:creationId xmlns:p14="http://schemas.microsoft.com/office/powerpoint/2010/main" val="3625047020"/>
+        <p14:creationId xmlns:p14="http://schemas.microsoft.com/office/powerpoint/2010/main" val="3595999026"/>
+      </p:ext>
+    </p:extLst>
+  </p:cSld>
+  <p:clrMapOvr>
+    <a:masterClrMapping/>
+  </p:clrMapOvr>
+</p:sld>
+</file>
+
+<file path=ppt/slides/slide20.xml><?xml version="1.0" encoding="utf-8"?>
+<p:sld xmlns:a="http://schemas.openxmlformats.org/drawingml/2006/main" xmlns:r="http://schemas.openxmlformats.org/officeDocument/2006/relationships" xmlns:p="http://schemas.openxmlformats.org/presentationml/2006/main">
+  <p:cSld>
+    <p:bg>
+      <p:bgPr>
+        <a:solidFill>
+          <a:schemeClr val="bg1"/>
+        </a:solidFill>
+        <a:effectLst/>
+      </p:bgPr>
+    </p:bg>
+    <p:spTree>
+      <p:nvGrpSpPr>
+        <p:cNvPr id="1" name=""/>
+        <p:cNvGrpSpPr/>
+        <p:nvPr/>
+      </p:nvGrpSpPr>
+      <p:grpSpPr>
+        <a:xfrm>
+          <a:off x="0" y="0"/>
+          <a:ext cx="0" cy="0"/>
+          <a:chOff x="0" y="0"/>
+          <a:chExt cx="0" cy="0"/>
+        </a:xfrm>
+      </p:grpSpPr>
+      <p:sp>
+        <p:nvSpPr>
+          <p:cNvPr id="15" name="Rectangle 14">
+            <a:extLst>
+              <a:ext uri="{FF2B5EF4-FFF2-40B4-BE49-F238E27FC236}">
+                <a16:creationId xmlns:a16="http://schemas.microsoft.com/office/drawing/2014/main" id="{8D70B121-56F4-4848-B38B-182089D909FA}"/>
+              </a:ext>
+              <a:ext uri="{C183D7F6-B498-43B3-948B-1728B52AA6E4}">
+                <adec:decorative xmlns:adec="http://schemas.microsoft.com/office/drawing/2017/decorative" val="1"/>
+              </a:ext>
+            </a:extLst>
+          </p:cNvPr>
+          <p:cNvSpPr>
+            <a:spLocks noGrp="1" noRot="1" noChangeAspect="1" noMove="1" noResize="1" noEditPoints="1" noAdjustHandles="1" noChangeArrowheads="1" noChangeShapeType="1" noTextEdit="1"/>
+          </p:cNvSpPr>
+          <p:nvPr>
+            <p:extLst>
+              <p:ext uri="{386F3935-93C4-4BCD-93E2-E3B085C9AB24}">
+                <p16:designElem xmlns:p16="http://schemas.microsoft.com/office/powerpoint/2015/main" val="1"/>
+              </p:ext>
+            </p:extLst>
+          </p:nvPr>
+        </p:nvSpPr>
+        <p:spPr bwMode="ltGray">
+          <a:xfrm>
+            <a:off x="321564" y="320040"/>
+            <a:ext cx="11548872" cy="6217920"/>
+          </a:xfrm>
+          <a:prstGeom prst="rect">
+            <a:avLst/>
+          </a:prstGeom>
+          <a:solidFill>
+            <a:schemeClr val="tx1">
+              <a:alpha val="8000"/>
+            </a:schemeClr>
+          </a:solidFill>
+          <a:ln w="127000" cap="sq" cmpd="thinThick">
+            <a:noFill/>
+          </a:ln>
+        </p:spPr>
+        <p:style>
+          <a:lnRef idx="2">
+            <a:schemeClr val="accent1">
+              <a:shade val="50000"/>
+            </a:schemeClr>
+          </a:lnRef>
+          <a:fillRef idx="1">
+            <a:schemeClr val="accent1"/>
+          </a:fillRef>
+          <a:effectRef idx="0">
+            <a:schemeClr val="accent1"/>
+          </a:effectRef>
+          <a:fontRef idx="minor">
+            <a:schemeClr val="lt1"/>
+          </a:fontRef>
+        </p:style>
+        <p:txBody>
+          <a:bodyPr rtlCol="0" anchor="ctr"/>
+          <a:lstStyle/>
+          <a:p>
+            <a:pPr algn="ctr"/>
+            <a:endParaRPr lang="en-US"/>
+          </a:p>
+        </p:txBody>
+      </p:sp>
+      <p:sp>
+        <p:nvSpPr>
+          <p:cNvPr id="2" name="Title 1">
+            <a:extLst>
+              <a:ext uri="{FF2B5EF4-FFF2-40B4-BE49-F238E27FC236}">
+                <a16:creationId xmlns:a16="http://schemas.microsoft.com/office/drawing/2014/main" id="{0D83DA6B-5692-4314-BB04-71D8B146B45A}"/>
+              </a:ext>
+            </a:extLst>
+          </p:cNvPr>
+          <p:cNvSpPr>
+            <a:spLocks noGrp="1"/>
+          </p:cNvSpPr>
+          <p:nvPr>
+            <p:ph type="title"/>
+          </p:nvPr>
+        </p:nvSpPr>
+        <p:spPr>
+          <a:xfrm>
+            <a:off x="838200" y="963877"/>
+            <a:ext cx="3494362" cy="4930246"/>
+          </a:xfrm>
+        </p:spPr>
+        <p:txBody>
+          <a:bodyPr>
+            <a:normAutofit/>
+          </a:bodyPr>
+          <a:lstStyle/>
+          <a:p>
+            <a:pPr algn="r"/>
+            <a:r>
+              <a:rPr lang="en-US">
+                <a:solidFill>
+                  <a:schemeClr val="accent1"/>
+                </a:solidFill>
+              </a:rPr>
+              <a:t>Demo 4: </a:t>
+            </a:r>
+            <a:br>
+              <a:rPr lang="en-US">
+                <a:solidFill>
+                  <a:schemeClr val="accent1"/>
+                </a:solidFill>
+              </a:rPr>
+            </a:br>
+            <a:r>
+              <a:rPr lang="en-US">
+                <a:solidFill>
+                  <a:schemeClr val="accent1"/>
+                </a:solidFill>
+              </a:rPr>
+              <a:t>Complex Relationships</a:t>
+            </a:r>
+            <a:endParaRPr lang="en-US" dirty="0">
+              <a:solidFill>
+                <a:schemeClr val="accent1"/>
+              </a:solidFill>
+            </a:endParaRPr>
+          </a:p>
+        </p:txBody>
+      </p:sp>
+      <p:cxnSp>
+        <p:nvCxnSpPr>
+          <p:cNvPr id="17" name="Straight Connector 16">
+            <a:extLst>
+              <a:ext uri="{FF2B5EF4-FFF2-40B4-BE49-F238E27FC236}">
+                <a16:creationId xmlns:a16="http://schemas.microsoft.com/office/drawing/2014/main" id="{2D72A2C9-F3CA-4216-8BAD-FA4C970C3C4E}"/>
+              </a:ext>
+              <a:ext uri="{C183D7F6-B498-43B3-948B-1728B52AA6E4}">
+                <adec:decorative xmlns:adec="http://schemas.microsoft.com/office/drawing/2017/decorative" val="1"/>
+              </a:ext>
+            </a:extLst>
+          </p:cNvPr>
+          <p:cNvCxnSpPr>
+            <a:cxnSpLocks noGrp="1" noRot="1" noChangeAspect="1" noMove="1" noResize="1" noEditPoints="1" noAdjustHandles="1" noChangeArrowheads="1" noChangeShapeType="1"/>
+          </p:cNvCxnSpPr>
+          <p:nvPr>
+            <p:extLst>
+              <p:ext uri="{386F3935-93C4-4BCD-93E2-E3B085C9AB24}">
+                <p16:designElem xmlns:p16="http://schemas.microsoft.com/office/powerpoint/2015/main" val="1"/>
+              </p:ext>
+            </p:extLst>
+          </p:nvPr>
+        </p:nvCxnSpPr>
+        <p:spPr>
+          <a:xfrm>
+            <a:off x="4654296" y="2057400"/>
+            <a:ext cx="0" cy="2743200"/>
+          </a:xfrm>
+          <a:prstGeom prst="line">
+            <a:avLst/>
+          </a:prstGeom>
+          <a:ln w="19050">
+            <a:solidFill>
+              <a:schemeClr val="tx1">
+                <a:lumMod val="85000"/>
+                <a:lumOff val="15000"/>
+              </a:schemeClr>
+            </a:solidFill>
+          </a:ln>
+        </p:spPr>
+        <p:style>
+          <a:lnRef idx="1">
+            <a:schemeClr val="accent1"/>
+          </a:lnRef>
+          <a:fillRef idx="0">
+            <a:schemeClr val="accent1"/>
+          </a:fillRef>
+          <a:effectRef idx="0">
+            <a:schemeClr val="accent1"/>
+          </a:effectRef>
+          <a:fontRef idx="minor">
+            <a:schemeClr val="tx1"/>
+          </a:fontRef>
+        </p:style>
+      </p:cxnSp>
+      <p:sp>
+        <p:nvSpPr>
+          <p:cNvPr id="3" name="Content Placeholder 2">
+            <a:extLst>
+              <a:ext uri="{FF2B5EF4-FFF2-40B4-BE49-F238E27FC236}">
+                <a16:creationId xmlns:a16="http://schemas.microsoft.com/office/drawing/2014/main" id="{FADE4337-0C42-4FCF-882C-13BA150337F3}"/>
+              </a:ext>
+            </a:extLst>
+          </p:cNvPr>
+          <p:cNvSpPr>
+            <a:spLocks noGrp="1"/>
+          </p:cNvSpPr>
+          <p:nvPr>
+            <p:ph idx="1"/>
+          </p:nvPr>
+        </p:nvSpPr>
+        <p:spPr>
+          <a:xfrm>
+            <a:off x="4976031" y="963877"/>
+            <a:ext cx="6377769" cy="4930246"/>
+          </a:xfrm>
+        </p:spPr>
+        <p:txBody>
+          <a:bodyPr anchor="ctr">
+            <a:normAutofit/>
+          </a:bodyPr>
+          <a:lstStyle/>
+          <a:p>
+            <a:r>
+              <a:rPr lang="en-US" sz="2400" dirty="0"/>
+              <a:t>Visual Studio 2017</a:t>
+            </a:r>
+          </a:p>
+          <a:p>
+            <a:r>
+              <a:rPr lang="en-US" sz="2400" dirty="0"/>
+              <a:t>VS Code &amp; CLI</a:t>
+            </a:r>
+          </a:p>
+        </p:txBody>
+      </p:sp>
+    </p:spTree>
+    <p:extLst>
+      <p:ext uri="{BB962C8B-B14F-4D97-AF65-F5344CB8AC3E}">
+        <p14:creationId xmlns:p14="http://schemas.microsoft.com/office/powerpoint/2010/main" val="3086832755"/>
       </p:ext>
     </p:extLst>
   </p:cSld>
@@ -11271,7 +11610,7 @@
       </p:grpSpPr>
       <p:sp>
         <p:nvSpPr>
-          <p:cNvPr id="15" name="Rectangle 14">
+          <p:cNvPr id="8" name="Rectangle 7">
             <a:extLst>
               <a:ext uri="{FF2B5EF4-FFF2-40B4-BE49-F238E27FC236}">
                 <a16:creationId xmlns:a16="http://schemas.microsoft.com/office/drawing/2014/main" id="{8D70B121-56F4-4848-B38B-182089D909FA}"/>
@@ -11364,39 +11703,19 @@
           <a:p>
             <a:pPr algn="r"/>
             <a:r>
-              <a:rPr lang="en-US">
+              <a:rPr lang="en-US" dirty="0">
                 <a:solidFill>
                   <a:schemeClr val="accent1"/>
                 </a:solidFill>
               </a:rPr>
-              <a:t>Demo 4: </a:t>
-            </a:r>
-            <a:br>
-              <a:rPr lang="en-US">
-                <a:solidFill>
-                  <a:schemeClr val="accent1"/>
-                </a:solidFill>
-              </a:rPr>
-            </a:br>
-            <a:r>
-              <a:rPr lang="en-US">
-                <a:solidFill>
-                  <a:schemeClr val="accent1"/>
-                </a:solidFill>
-              </a:rPr>
-              <a:t>Complex Relationships</a:t>
-            </a:r>
-            <a:endParaRPr lang="en-US" dirty="0">
-              <a:solidFill>
-                <a:schemeClr val="accent1"/>
-              </a:solidFill>
-            </a:endParaRPr>
+              <a:t>Resources</a:t>
+            </a:r>
           </a:p>
         </p:txBody>
       </p:sp>
       <p:cxnSp>
         <p:nvCxnSpPr>
-          <p:cNvPr id="17" name="Straight Connector 16">
+          <p:cNvPr id="10" name="Straight Connector 9">
             <a:extLst>
               <a:ext uri="{FF2B5EF4-FFF2-40B4-BE49-F238E27FC236}">
                 <a16:creationId xmlns:a16="http://schemas.microsoft.com/office/drawing/2014/main" id="{2D72A2C9-F3CA-4216-8BAD-FA4C970C3C4E}"/>
@@ -11477,245 +11796,6 @@
           </a:bodyPr>
           <a:lstStyle/>
           <a:p>
-            <a:r>
-              <a:rPr lang="en-US" sz="2400" dirty="0"/>
-              <a:t>Visual Studio 2017</a:t>
-            </a:r>
-          </a:p>
-          <a:p>
-            <a:r>
-              <a:rPr lang="en-US" sz="2400" dirty="0"/>
-              <a:t>VS Code &amp; CLI</a:t>
-            </a:r>
-          </a:p>
-        </p:txBody>
-      </p:sp>
-    </p:spTree>
-    <p:extLst>
-      <p:ext uri="{BB962C8B-B14F-4D97-AF65-F5344CB8AC3E}">
-        <p14:creationId xmlns:p14="http://schemas.microsoft.com/office/powerpoint/2010/main" val="3086832755"/>
-      </p:ext>
-    </p:extLst>
-  </p:cSld>
-  <p:clrMapOvr>
-    <a:masterClrMapping/>
-  </p:clrMapOvr>
-</p:sld>
-</file>
-
-<file path=ppt/slides/slide22.xml><?xml version="1.0" encoding="utf-8"?>
-<p:sld xmlns:a="http://schemas.openxmlformats.org/drawingml/2006/main" xmlns:r="http://schemas.openxmlformats.org/officeDocument/2006/relationships" xmlns:p="http://schemas.openxmlformats.org/presentationml/2006/main">
-  <p:cSld>
-    <p:bg>
-      <p:bgPr>
-        <a:solidFill>
-          <a:schemeClr val="bg1"/>
-        </a:solidFill>
-        <a:effectLst/>
-      </p:bgPr>
-    </p:bg>
-    <p:spTree>
-      <p:nvGrpSpPr>
-        <p:cNvPr id="1" name=""/>
-        <p:cNvGrpSpPr/>
-        <p:nvPr/>
-      </p:nvGrpSpPr>
-      <p:grpSpPr>
-        <a:xfrm>
-          <a:off x="0" y="0"/>
-          <a:ext cx="0" cy="0"/>
-          <a:chOff x="0" y="0"/>
-          <a:chExt cx="0" cy="0"/>
-        </a:xfrm>
-      </p:grpSpPr>
-      <p:sp>
-        <p:nvSpPr>
-          <p:cNvPr id="8" name="Rectangle 7">
-            <a:extLst>
-              <a:ext uri="{FF2B5EF4-FFF2-40B4-BE49-F238E27FC236}">
-                <a16:creationId xmlns:a16="http://schemas.microsoft.com/office/drawing/2014/main" id="{8D70B121-56F4-4848-B38B-182089D909FA}"/>
-              </a:ext>
-              <a:ext uri="{C183D7F6-B498-43B3-948B-1728B52AA6E4}">
-                <adec:decorative xmlns:adec="http://schemas.microsoft.com/office/drawing/2017/decorative" val="1"/>
-              </a:ext>
-            </a:extLst>
-          </p:cNvPr>
-          <p:cNvSpPr>
-            <a:spLocks noGrp="1" noRot="1" noChangeAspect="1" noMove="1" noResize="1" noEditPoints="1" noAdjustHandles="1" noChangeArrowheads="1" noChangeShapeType="1" noTextEdit="1"/>
-          </p:cNvSpPr>
-          <p:nvPr>
-            <p:extLst>
-              <p:ext uri="{386F3935-93C4-4BCD-93E2-E3B085C9AB24}">
-                <p16:designElem xmlns:p16="http://schemas.microsoft.com/office/powerpoint/2015/main" val="1"/>
-              </p:ext>
-            </p:extLst>
-          </p:nvPr>
-        </p:nvSpPr>
-        <p:spPr bwMode="ltGray">
-          <a:xfrm>
-            <a:off x="321564" y="320040"/>
-            <a:ext cx="11548872" cy="6217920"/>
-          </a:xfrm>
-          <a:prstGeom prst="rect">
-            <a:avLst/>
-          </a:prstGeom>
-          <a:solidFill>
-            <a:schemeClr val="tx1">
-              <a:alpha val="8000"/>
-            </a:schemeClr>
-          </a:solidFill>
-          <a:ln w="127000" cap="sq" cmpd="thinThick">
-            <a:noFill/>
-          </a:ln>
-        </p:spPr>
-        <p:style>
-          <a:lnRef idx="2">
-            <a:schemeClr val="accent1">
-              <a:shade val="50000"/>
-            </a:schemeClr>
-          </a:lnRef>
-          <a:fillRef idx="1">
-            <a:schemeClr val="accent1"/>
-          </a:fillRef>
-          <a:effectRef idx="0">
-            <a:schemeClr val="accent1"/>
-          </a:effectRef>
-          <a:fontRef idx="minor">
-            <a:schemeClr val="lt1"/>
-          </a:fontRef>
-        </p:style>
-        <p:txBody>
-          <a:bodyPr rtlCol="0" anchor="ctr"/>
-          <a:lstStyle/>
-          <a:p>
-            <a:pPr algn="ctr"/>
-            <a:endParaRPr lang="en-US"/>
-          </a:p>
-        </p:txBody>
-      </p:sp>
-      <p:sp>
-        <p:nvSpPr>
-          <p:cNvPr id="2" name="Title 1">
-            <a:extLst>
-              <a:ext uri="{FF2B5EF4-FFF2-40B4-BE49-F238E27FC236}">
-                <a16:creationId xmlns:a16="http://schemas.microsoft.com/office/drawing/2014/main" id="{0D83DA6B-5692-4314-BB04-71D8B146B45A}"/>
-              </a:ext>
-            </a:extLst>
-          </p:cNvPr>
-          <p:cNvSpPr>
-            <a:spLocks noGrp="1"/>
-          </p:cNvSpPr>
-          <p:nvPr>
-            <p:ph type="title"/>
-          </p:nvPr>
-        </p:nvSpPr>
-        <p:spPr>
-          <a:xfrm>
-            <a:off x="838200" y="963877"/>
-            <a:ext cx="3494362" cy="4930246"/>
-          </a:xfrm>
-        </p:spPr>
-        <p:txBody>
-          <a:bodyPr>
-            <a:normAutofit/>
-          </a:bodyPr>
-          <a:lstStyle/>
-          <a:p>
-            <a:pPr algn="r"/>
-            <a:r>
-              <a:rPr lang="en-US" dirty="0">
-                <a:solidFill>
-                  <a:schemeClr val="accent1"/>
-                </a:solidFill>
-              </a:rPr>
-              <a:t>Resources</a:t>
-            </a:r>
-          </a:p>
-        </p:txBody>
-      </p:sp>
-      <p:cxnSp>
-        <p:nvCxnSpPr>
-          <p:cNvPr id="10" name="Straight Connector 9">
-            <a:extLst>
-              <a:ext uri="{FF2B5EF4-FFF2-40B4-BE49-F238E27FC236}">
-                <a16:creationId xmlns:a16="http://schemas.microsoft.com/office/drawing/2014/main" id="{2D72A2C9-F3CA-4216-8BAD-FA4C970C3C4E}"/>
-              </a:ext>
-              <a:ext uri="{C183D7F6-B498-43B3-948B-1728B52AA6E4}">
-                <adec:decorative xmlns:adec="http://schemas.microsoft.com/office/drawing/2017/decorative" val="1"/>
-              </a:ext>
-            </a:extLst>
-          </p:cNvPr>
-          <p:cNvCxnSpPr>
-            <a:cxnSpLocks noGrp="1" noRot="1" noChangeAspect="1" noMove="1" noResize="1" noEditPoints="1" noAdjustHandles="1" noChangeArrowheads="1" noChangeShapeType="1"/>
-          </p:cNvCxnSpPr>
-          <p:nvPr>
-            <p:extLst>
-              <p:ext uri="{386F3935-93C4-4BCD-93E2-E3B085C9AB24}">
-                <p16:designElem xmlns:p16="http://schemas.microsoft.com/office/powerpoint/2015/main" val="1"/>
-              </p:ext>
-            </p:extLst>
-          </p:nvPr>
-        </p:nvCxnSpPr>
-        <p:spPr>
-          <a:xfrm>
-            <a:off x="4654296" y="2057400"/>
-            <a:ext cx="0" cy="2743200"/>
-          </a:xfrm>
-          <a:prstGeom prst="line">
-            <a:avLst/>
-          </a:prstGeom>
-          <a:ln w="19050">
-            <a:solidFill>
-              <a:schemeClr val="tx1">
-                <a:lumMod val="85000"/>
-                <a:lumOff val="15000"/>
-              </a:schemeClr>
-            </a:solidFill>
-          </a:ln>
-        </p:spPr>
-        <p:style>
-          <a:lnRef idx="1">
-            <a:schemeClr val="accent1"/>
-          </a:lnRef>
-          <a:fillRef idx="0">
-            <a:schemeClr val="accent1"/>
-          </a:fillRef>
-          <a:effectRef idx="0">
-            <a:schemeClr val="accent1"/>
-          </a:effectRef>
-          <a:fontRef idx="minor">
-            <a:schemeClr val="tx1"/>
-          </a:fontRef>
-        </p:style>
-      </p:cxnSp>
-      <p:sp>
-        <p:nvSpPr>
-          <p:cNvPr id="3" name="Content Placeholder 2">
-            <a:extLst>
-              <a:ext uri="{FF2B5EF4-FFF2-40B4-BE49-F238E27FC236}">
-                <a16:creationId xmlns:a16="http://schemas.microsoft.com/office/drawing/2014/main" id="{FADE4337-0C42-4FCF-882C-13BA150337F3}"/>
-              </a:ext>
-            </a:extLst>
-          </p:cNvPr>
-          <p:cNvSpPr>
-            <a:spLocks noGrp="1"/>
-          </p:cNvSpPr>
-          <p:nvPr>
-            <p:ph idx="1"/>
-          </p:nvPr>
-        </p:nvSpPr>
-        <p:spPr>
-          <a:xfrm>
-            <a:off x="4976031" y="963877"/>
-            <a:ext cx="6377769" cy="4930246"/>
-          </a:xfrm>
-        </p:spPr>
-        <p:txBody>
-          <a:bodyPr anchor="ctr">
-            <a:normAutofit/>
-          </a:bodyPr>
-          <a:lstStyle/>
-          <a:p>
             <a:endParaRPr lang="en-US" sz="2400" dirty="0"/>
           </a:p>
         </p:txBody>
@@ -11734,269 +11814,6 @@
 </file>
 
 <file path=ppt/slides/slide3.xml><?xml version="1.0" encoding="utf-8"?>
-<p:sld xmlns:a="http://schemas.openxmlformats.org/drawingml/2006/main" xmlns:r="http://schemas.openxmlformats.org/officeDocument/2006/relationships" xmlns:p="http://schemas.openxmlformats.org/presentationml/2006/main">
-  <p:cSld>
-    <p:bg>
-      <p:bgPr>
-        <a:solidFill>
-          <a:schemeClr val="bg1"/>
-        </a:solidFill>
-        <a:effectLst/>
-      </p:bgPr>
-    </p:bg>
-    <p:spTree>
-      <p:nvGrpSpPr>
-        <p:cNvPr id="1" name=""/>
-        <p:cNvGrpSpPr/>
-        <p:nvPr/>
-      </p:nvGrpSpPr>
-      <p:grpSpPr>
-        <a:xfrm>
-          <a:off x="0" y="0"/>
-          <a:ext cx="0" cy="0"/>
-          <a:chOff x="0" y="0"/>
-          <a:chExt cx="0" cy="0"/>
-        </a:xfrm>
-      </p:grpSpPr>
-      <p:sp>
-        <p:nvSpPr>
-          <p:cNvPr id="15" name="Rectangle 14">
-            <a:extLst>
-              <a:ext uri="{FF2B5EF4-FFF2-40B4-BE49-F238E27FC236}">
-                <a16:creationId xmlns:a16="http://schemas.microsoft.com/office/drawing/2014/main" id="{8D70B121-56F4-4848-B38B-182089D909FA}"/>
-              </a:ext>
-              <a:ext uri="{C183D7F6-B498-43B3-948B-1728B52AA6E4}">
-                <adec:decorative xmlns:adec="http://schemas.microsoft.com/office/drawing/2017/decorative" val="1"/>
-              </a:ext>
-            </a:extLst>
-          </p:cNvPr>
-          <p:cNvSpPr>
-            <a:spLocks noGrp="1" noRot="1" noChangeAspect="1" noMove="1" noResize="1" noEditPoints="1" noAdjustHandles="1" noChangeArrowheads="1" noChangeShapeType="1" noTextEdit="1"/>
-          </p:cNvSpPr>
-          <p:nvPr>
-            <p:extLst>
-              <p:ext uri="{386F3935-93C4-4BCD-93E2-E3B085C9AB24}">
-                <p16:designElem xmlns:p16="http://schemas.microsoft.com/office/powerpoint/2015/main" val="1"/>
-              </p:ext>
-            </p:extLst>
-          </p:nvPr>
-        </p:nvSpPr>
-        <p:spPr bwMode="ltGray">
-          <a:xfrm>
-            <a:off x="321564" y="320040"/>
-            <a:ext cx="11548872" cy="6217920"/>
-          </a:xfrm>
-          <a:prstGeom prst="rect">
-            <a:avLst/>
-          </a:prstGeom>
-          <a:solidFill>
-            <a:schemeClr val="tx1">
-              <a:alpha val="8000"/>
-            </a:schemeClr>
-          </a:solidFill>
-          <a:ln w="127000" cap="sq" cmpd="thinThick">
-            <a:noFill/>
-          </a:ln>
-        </p:spPr>
-        <p:style>
-          <a:lnRef idx="2">
-            <a:schemeClr val="accent1">
-              <a:shade val="50000"/>
-            </a:schemeClr>
-          </a:lnRef>
-          <a:fillRef idx="1">
-            <a:schemeClr val="accent1"/>
-          </a:fillRef>
-          <a:effectRef idx="0">
-            <a:schemeClr val="accent1"/>
-          </a:effectRef>
-          <a:fontRef idx="minor">
-            <a:schemeClr val="lt1"/>
-          </a:fontRef>
-        </p:style>
-        <p:txBody>
-          <a:bodyPr rtlCol="0" anchor="ctr"/>
-          <a:lstStyle/>
-          <a:p>
-            <a:pPr algn="ctr"/>
-            <a:endParaRPr lang="en-US"/>
-          </a:p>
-        </p:txBody>
-      </p:sp>
-      <p:sp>
-        <p:nvSpPr>
-          <p:cNvPr id="2" name="Title 1">
-            <a:extLst>
-              <a:ext uri="{FF2B5EF4-FFF2-40B4-BE49-F238E27FC236}">
-                <a16:creationId xmlns:a16="http://schemas.microsoft.com/office/drawing/2014/main" id="{1B1E9840-56ED-402E-9501-43800A54E848}"/>
-              </a:ext>
-            </a:extLst>
-          </p:cNvPr>
-          <p:cNvSpPr>
-            <a:spLocks noGrp="1"/>
-          </p:cNvSpPr>
-          <p:nvPr>
-            <p:ph type="title"/>
-          </p:nvPr>
-        </p:nvSpPr>
-        <p:spPr>
-          <a:xfrm>
-            <a:off x="838200" y="963877"/>
-            <a:ext cx="3494362" cy="4930246"/>
-          </a:xfrm>
-        </p:spPr>
-        <p:txBody>
-          <a:bodyPr>
-            <a:normAutofit/>
-          </a:bodyPr>
-          <a:lstStyle/>
-          <a:p>
-            <a:pPr algn="r"/>
-            <a:r>
-              <a:rPr lang="en-US" dirty="0">
-                <a:solidFill>
-                  <a:schemeClr val="accent1"/>
-                </a:solidFill>
-              </a:rPr>
-              <a:t>Overview</a:t>
-            </a:r>
-          </a:p>
-        </p:txBody>
-      </p:sp>
-      <p:cxnSp>
-        <p:nvCxnSpPr>
-          <p:cNvPr id="25" name="Straight Connector 16">
-            <a:extLst>
-              <a:ext uri="{FF2B5EF4-FFF2-40B4-BE49-F238E27FC236}">
-                <a16:creationId xmlns:a16="http://schemas.microsoft.com/office/drawing/2014/main" id="{2D72A2C9-F3CA-4216-8BAD-FA4C970C3C4E}"/>
-              </a:ext>
-              <a:ext uri="{C183D7F6-B498-43B3-948B-1728B52AA6E4}">
-                <adec:decorative xmlns:adec="http://schemas.microsoft.com/office/drawing/2017/decorative" val="1"/>
-              </a:ext>
-            </a:extLst>
-          </p:cNvPr>
-          <p:cNvCxnSpPr>
-            <a:cxnSpLocks noGrp="1" noRot="1" noChangeAspect="1" noMove="1" noResize="1" noEditPoints="1" noAdjustHandles="1" noChangeArrowheads="1" noChangeShapeType="1"/>
-          </p:cNvCxnSpPr>
-          <p:nvPr>
-            <p:extLst>
-              <p:ext uri="{386F3935-93C4-4BCD-93E2-E3B085C9AB24}">
-                <p16:designElem xmlns:p16="http://schemas.microsoft.com/office/powerpoint/2015/main" val="1"/>
-              </p:ext>
-            </p:extLst>
-          </p:nvPr>
-        </p:nvCxnSpPr>
-        <p:spPr>
-          <a:xfrm>
-            <a:off x="4654296" y="2057400"/>
-            <a:ext cx="0" cy="2743200"/>
-          </a:xfrm>
-          <a:prstGeom prst="line">
-            <a:avLst/>
-          </a:prstGeom>
-          <a:ln w="19050">
-            <a:solidFill>
-              <a:schemeClr val="tx1">
-                <a:lumMod val="85000"/>
-                <a:lumOff val="15000"/>
-              </a:schemeClr>
-            </a:solidFill>
-          </a:ln>
-        </p:spPr>
-        <p:style>
-          <a:lnRef idx="1">
-            <a:schemeClr val="accent1"/>
-          </a:lnRef>
-          <a:fillRef idx="0">
-            <a:schemeClr val="accent1"/>
-          </a:fillRef>
-          <a:effectRef idx="0">
-            <a:schemeClr val="accent1"/>
-          </a:effectRef>
-          <a:fontRef idx="minor">
-            <a:schemeClr val="tx1"/>
-          </a:fontRef>
-        </p:style>
-      </p:cxnSp>
-      <p:sp>
-        <p:nvSpPr>
-          <p:cNvPr id="3" name="Content Placeholder 2">
-            <a:extLst>
-              <a:ext uri="{FF2B5EF4-FFF2-40B4-BE49-F238E27FC236}">
-                <a16:creationId xmlns:a16="http://schemas.microsoft.com/office/drawing/2014/main" id="{EBC72149-4721-4923-9048-E6B97A898FBB}"/>
-              </a:ext>
-            </a:extLst>
-          </p:cNvPr>
-          <p:cNvSpPr>
-            <a:spLocks noGrp="1"/>
-          </p:cNvSpPr>
-          <p:nvPr>
-            <p:ph idx="1"/>
-          </p:nvPr>
-        </p:nvSpPr>
-        <p:spPr>
-          <a:xfrm>
-            <a:off x="4976031" y="963877"/>
-            <a:ext cx="6377769" cy="4930246"/>
-          </a:xfrm>
-        </p:spPr>
-        <p:txBody>
-          <a:bodyPr anchor="ctr">
-            <a:normAutofit/>
-          </a:bodyPr>
-          <a:lstStyle/>
-          <a:p>
-            <a:r>
-              <a:rPr lang="en-US" sz="2400" dirty="0"/>
-              <a:t>Brief history of Entity Framework</a:t>
-            </a:r>
-          </a:p>
-          <a:p>
-            <a:r>
-              <a:rPr lang="en-US" sz="2400" dirty="0"/>
-              <a:t>EF Core vs EF 6</a:t>
-            </a:r>
-          </a:p>
-          <a:p>
-            <a:r>
-              <a:rPr lang="en-US" sz="2400" dirty="0"/>
-              <a:t>New Tooling</a:t>
-            </a:r>
-          </a:p>
-          <a:p>
-            <a:r>
-              <a:rPr lang="en-US" sz="2400" dirty="0"/>
-              <a:t>The Basics</a:t>
-            </a:r>
-          </a:p>
-          <a:p>
-            <a:r>
-              <a:rPr lang="en-US" sz="2400" dirty="0"/>
-              <a:t>Migrations</a:t>
-            </a:r>
-          </a:p>
-          <a:p>
-            <a:r>
-              <a:rPr lang="en-US" sz="2400" dirty="0"/>
-              <a:t>Complex Relationships</a:t>
-            </a:r>
-          </a:p>
-        </p:txBody>
-      </p:sp>
-    </p:spTree>
-    <p:extLst>
-      <p:ext uri="{BB962C8B-B14F-4D97-AF65-F5344CB8AC3E}">
-        <p14:creationId xmlns:p14="http://schemas.microsoft.com/office/powerpoint/2010/main" val="3595999026"/>
-      </p:ext>
-    </p:extLst>
-  </p:cSld>
-  <p:clrMapOvr>
-    <a:masterClrMapping/>
-  </p:clrMapOvr>
-</p:sld>
-</file>
-
-<file path=ppt/slides/slide4.xml><?xml version="1.0" encoding="utf-8"?>
 <p:sld xmlns:a="http://schemas.openxmlformats.org/drawingml/2006/main" xmlns:r="http://schemas.openxmlformats.org/officeDocument/2006/relationships" xmlns:p="http://schemas.openxmlformats.org/presentationml/2006/main">
   <p:cSld>
     <p:bg>
@@ -12379,7 +12196,7 @@
 </p:sld>
 </file>
 
-<file path=ppt/slides/slide5.xml><?xml version="1.0" encoding="utf-8"?>
+<file path=ppt/slides/slide4.xml><?xml version="1.0" encoding="utf-8"?>
 <p:sld xmlns:a="http://schemas.openxmlformats.org/drawingml/2006/main" xmlns:r="http://schemas.openxmlformats.org/officeDocument/2006/relationships" xmlns:p="http://schemas.openxmlformats.org/presentationml/2006/main">
   <p:cSld>
     <p:bg>
@@ -12642,6 +12459,89 @@
 </p:sld>
 </file>
 
+<file path=ppt/slides/slide5.xml><?xml version="1.0" encoding="utf-8"?>
+<p:sld xmlns:a="http://schemas.openxmlformats.org/drawingml/2006/main" xmlns:r="http://schemas.openxmlformats.org/officeDocument/2006/relationships" xmlns:p="http://schemas.openxmlformats.org/presentationml/2006/main">
+  <p:cSld>
+    <p:spTree>
+      <p:nvGrpSpPr>
+        <p:cNvPr id="1" name=""/>
+        <p:cNvGrpSpPr/>
+        <p:nvPr/>
+      </p:nvGrpSpPr>
+      <p:grpSpPr>
+        <a:xfrm>
+          <a:off x="0" y="0"/>
+          <a:ext cx="0" cy="0"/>
+          <a:chOff x="0" y="0"/>
+          <a:chExt cx="0" cy="0"/>
+        </a:xfrm>
+      </p:grpSpPr>
+      <p:sp>
+        <p:nvSpPr>
+          <p:cNvPr id="2" name="Title 1">
+            <a:extLst>
+              <a:ext uri="{FF2B5EF4-FFF2-40B4-BE49-F238E27FC236}">
+                <a16:creationId xmlns:a16="http://schemas.microsoft.com/office/drawing/2014/main" id="{8FD70018-C246-4DE2-92EB-DF227E9071CE}"/>
+              </a:ext>
+            </a:extLst>
+          </p:cNvPr>
+          <p:cNvSpPr>
+            <a:spLocks noGrp="1"/>
+          </p:cNvSpPr>
+          <p:nvPr>
+            <p:ph type="title"/>
+          </p:nvPr>
+        </p:nvSpPr>
+        <p:spPr/>
+        <p:txBody>
+          <a:bodyPr/>
+          <a:lstStyle/>
+          <a:p>
+            <a:r>
+              <a:rPr lang="en-US" dirty="0"/>
+              <a:t>History: Entity Framework Core v1 – v2.1</a:t>
+            </a:r>
+          </a:p>
+        </p:txBody>
+      </p:sp>
+      <p:sp>
+        <p:nvSpPr>
+          <p:cNvPr id="3" name="Content Placeholder 2">
+            <a:extLst>
+              <a:ext uri="{FF2B5EF4-FFF2-40B4-BE49-F238E27FC236}">
+                <a16:creationId xmlns:a16="http://schemas.microsoft.com/office/drawing/2014/main" id="{6C3A09E0-6DB2-48D8-8349-BD0D0815024B}"/>
+              </a:ext>
+            </a:extLst>
+          </p:cNvPr>
+          <p:cNvSpPr>
+            <a:spLocks noGrp="1"/>
+          </p:cNvSpPr>
+          <p:nvPr>
+            <p:ph idx="1"/>
+          </p:nvPr>
+        </p:nvSpPr>
+        <p:spPr/>
+        <p:txBody>
+          <a:bodyPr/>
+          <a:lstStyle/>
+          <a:p>
+            <a:endParaRPr lang="en-US" dirty="0"/>
+          </a:p>
+        </p:txBody>
+      </p:sp>
+    </p:spTree>
+    <p:extLst>
+      <p:ext uri="{BB962C8B-B14F-4D97-AF65-F5344CB8AC3E}">
+        <p14:creationId xmlns:p14="http://schemas.microsoft.com/office/powerpoint/2010/main" val="3930575713"/>
+      </p:ext>
+    </p:extLst>
+  </p:cSld>
+  <p:clrMapOvr>
+    <a:masterClrMapping/>
+  </p:clrMapOvr>
+</p:sld>
+</file>
+
 <file path=ppt/slides/slide6.xml><?xml version="1.0" encoding="utf-8"?>
 <p:sld xmlns:a="http://schemas.openxmlformats.org/drawingml/2006/main" xmlns:r="http://schemas.openxmlformats.org/officeDocument/2006/relationships" xmlns:p="http://schemas.openxmlformats.org/presentationml/2006/main">
   <p:cSld>
@@ -12682,7 +12582,7 @@
           <a:p>
             <a:r>
               <a:rPr lang="en-US" dirty="0"/>
-              <a:t>History: Entity Framework Core v1 – v2.1</a:t>
+              <a:t>Roadmap: Entity Framework Core v2.2 &amp; v3</a:t>
             </a:r>
           </a:p>
         </p:txBody>
@@ -12708,14 +12608,85 @@
           <a:bodyPr/>
           <a:lstStyle/>
           <a:p>
+            <a:r>
+              <a:rPr lang="en-US" dirty="0"/>
+              <a:t>EF Core v2.2 will be next minor version</a:t>
+            </a:r>
+          </a:p>
+          <a:p>
+            <a:pPr lvl="1"/>
+            <a:r>
+              <a:rPr lang="en-US" dirty="0">
+                <a:hlinkClick r:id="rId2"/>
+              </a:rPr>
+              <a:t>small release</a:t>
+            </a:r>
             <a:endParaRPr lang="en-US" dirty="0"/>
+          </a:p>
+          <a:p>
+            <a:pPr lvl="1"/>
+            <a:r>
+              <a:rPr lang="en-US" dirty="0"/>
+              <a:t>before end of year 2018 (currently preview)</a:t>
+            </a:r>
+          </a:p>
+          <a:p>
+            <a:r>
+              <a:rPr lang="en-US" dirty="0"/>
+              <a:t>EF Core v3 will be the next major version </a:t>
+            </a:r>
+          </a:p>
+          <a:p>
+            <a:pPr lvl="1"/>
+            <a:r>
+              <a:rPr lang="en-US" dirty="0"/>
+              <a:t>Synchronized with </a:t>
+            </a:r>
+            <a:r>
+              <a:rPr lang="en-US" dirty="0" err="1">
+                <a:hlinkClick r:id="rId3"/>
+              </a:rPr>
+              <a:t>.Net</a:t>
+            </a:r>
+            <a:r>
+              <a:rPr lang="en-US" dirty="0">
+                <a:hlinkClick r:id="rId3"/>
+              </a:rPr>
+              <a:t> Core </a:t>
+            </a:r>
+            <a:r>
+              <a:rPr lang="en-US" dirty="0"/>
+              <a:t>and </a:t>
+            </a:r>
+            <a:r>
+              <a:rPr lang="en-US" dirty="0" err="1"/>
+              <a:t>ASP.Net</a:t>
+            </a:r>
+            <a:r>
+              <a:rPr lang="en-US" dirty="0"/>
+              <a:t> Core </a:t>
+            </a:r>
+            <a:r>
+              <a:rPr lang="en-US" dirty="0">
+                <a:hlinkClick r:id="rId4"/>
+              </a:rPr>
+              <a:t>schedule</a:t>
+            </a:r>
+            <a:endParaRPr lang="en-US" dirty="0"/>
+          </a:p>
+          <a:p>
+            <a:pPr lvl="1"/>
+            <a:r>
+              <a:rPr lang="en-US" dirty="0"/>
+              <a:t>Expected Q1 – Q2 2019</a:t>
+            </a:r>
           </a:p>
         </p:txBody>
       </p:sp>
     </p:spTree>
     <p:extLst>
       <p:ext uri="{BB962C8B-B14F-4D97-AF65-F5344CB8AC3E}">
-        <p14:creationId xmlns:p14="http://schemas.microsoft.com/office/powerpoint/2010/main" val="3930575713"/>
+        <p14:creationId xmlns:p14="http://schemas.microsoft.com/office/powerpoint/2010/main" val="3740008405"/>
       </p:ext>
     </p:extLst>
   </p:cSld>
@@ -12747,7 +12718,7 @@
           <p:cNvPr id="2" name="Title 1">
             <a:extLst>
               <a:ext uri="{FF2B5EF4-FFF2-40B4-BE49-F238E27FC236}">
-                <a16:creationId xmlns:a16="http://schemas.microsoft.com/office/drawing/2014/main" id="{8FD70018-C246-4DE2-92EB-DF227E9071CE}"/>
+                <a16:creationId xmlns:a16="http://schemas.microsoft.com/office/drawing/2014/main" id="{099F67C3-C00E-4279-BD9C-E1177A7A3C63}"/>
               </a:ext>
             </a:extLst>
           </p:cNvPr>
@@ -12765,7 +12736,7 @@
           <a:p>
             <a:r>
               <a:rPr lang="en-US" dirty="0"/>
-              <a:t>Roadmap: Entity Framework Core v2.2 &amp; v3</a:t>
+              <a:t>EF6 vs. EF Core</a:t>
             </a:r>
           </a:p>
         </p:txBody>
@@ -12775,7 +12746,7 @@
           <p:cNvPr id="3" name="Content Placeholder 2">
             <a:extLst>
               <a:ext uri="{FF2B5EF4-FFF2-40B4-BE49-F238E27FC236}">
-                <a16:creationId xmlns:a16="http://schemas.microsoft.com/office/drawing/2014/main" id="{6C3A09E0-6DB2-48D8-8349-BD0D0815024B}"/>
+                <a16:creationId xmlns:a16="http://schemas.microsoft.com/office/drawing/2014/main" id="{179D96B6-937D-4DE4-A6AC-36E36DAEFA76}"/>
               </a:ext>
             </a:extLst>
           </p:cNvPr>
@@ -12791,85 +12762,20 @@
           <a:bodyPr/>
           <a:lstStyle/>
           <a:p>
-            <a:r>
-              <a:rPr lang="en-US" dirty="0"/>
-              <a:t>EF Core v2.2 will be next minor version</a:t>
-            </a:r>
-          </a:p>
-          <a:p>
-            <a:pPr lvl="1"/>
             <a:r>
               <a:rPr lang="en-US" dirty="0">
                 <a:hlinkClick r:id="rId2"/>
               </a:rPr>
-              <a:t>small release</a:t>
+              <a:t>Comprehensive Comparison</a:t>
             </a:r>
             <a:endParaRPr lang="en-US" dirty="0"/>
-          </a:p>
-          <a:p>
-            <a:pPr lvl="1"/>
-            <a:r>
-              <a:rPr lang="en-US" dirty="0"/>
-              <a:t>before end of year 2018 (currently preview)</a:t>
-            </a:r>
-          </a:p>
-          <a:p>
-            <a:r>
-              <a:rPr lang="en-US" dirty="0"/>
-              <a:t>EF Core v3 will be the next major version </a:t>
-            </a:r>
-          </a:p>
-          <a:p>
-            <a:pPr lvl="1"/>
-            <a:r>
-              <a:rPr lang="en-US" dirty="0"/>
-              <a:t>Synchronized with </a:t>
-            </a:r>
-            <a:r>
-              <a:rPr lang="en-US" dirty="0" err="1">
-                <a:hlinkClick r:id="rId3"/>
-              </a:rPr>
-              <a:t>.Net</a:t>
-            </a:r>
-            <a:r>
-              <a:rPr lang="en-US" dirty="0">
-                <a:hlinkClick r:id="rId3"/>
-              </a:rPr>
-              <a:t> Core </a:t>
-            </a:r>
-            <a:r>
-              <a:rPr lang="en-US" dirty="0"/>
-              <a:t>and </a:t>
-            </a:r>
-            <a:r>
-              <a:rPr lang="en-US" dirty="0" err="1"/>
-              <a:t>ASP.Net</a:t>
-            </a:r>
-            <a:r>
-              <a:rPr lang="en-US" dirty="0"/>
-              <a:t> Core </a:t>
-            </a:r>
-            <a:r>
-              <a:rPr lang="en-US" dirty="0">
-                <a:hlinkClick r:id="rId4"/>
-              </a:rPr>
-              <a:t>schedule</a:t>
-            </a:r>
-            <a:endParaRPr lang="en-US" dirty="0"/>
-          </a:p>
-          <a:p>
-            <a:pPr lvl="1"/>
-            <a:r>
-              <a:rPr lang="en-US" dirty="0"/>
-              <a:t>Expected Q1 – Q2 2019</a:t>
-            </a:r>
           </a:p>
         </p:txBody>
       </p:sp>
     </p:spTree>
     <p:extLst>
       <p:ext uri="{BB962C8B-B14F-4D97-AF65-F5344CB8AC3E}">
-        <p14:creationId xmlns:p14="http://schemas.microsoft.com/office/powerpoint/2010/main" val="3740008405"/>
+        <p14:creationId xmlns:p14="http://schemas.microsoft.com/office/powerpoint/2010/main" val="1279524304"/>
       </p:ext>
     </p:extLst>
   </p:cSld>
@@ -12901,7 +12807,7 @@
           <p:cNvPr id="2" name="Title 1">
             <a:extLst>
               <a:ext uri="{FF2B5EF4-FFF2-40B4-BE49-F238E27FC236}">
-                <a16:creationId xmlns:a16="http://schemas.microsoft.com/office/drawing/2014/main" id="{099F67C3-C00E-4279-BD9C-E1177A7A3C63}"/>
+                <a16:creationId xmlns:a16="http://schemas.microsoft.com/office/drawing/2014/main" id="{5E7A0152-8746-4DF9-9130-036A6B5C40A6}"/>
               </a:ext>
             </a:extLst>
           </p:cNvPr>
@@ -12919,7 +12825,7 @@
           <a:p>
             <a:r>
               <a:rPr lang="en-US" dirty="0"/>
-              <a:t>EF6 vs. EF Core</a:t>
+              <a:t>EF Core Missing Stuff…</a:t>
             </a:r>
           </a:p>
         </p:txBody>
@@ -12929,7 +12835,7 @@
           <p:cNvPr id="3" name="Content Placeholder 2">
             <a:extLst>
               <a:ext uri="{FF2B5EF4-FFF2-40B4-BE49-F238E27FC236}">
-                <a16:creationId xmlns:a16="http://schemas.microsoft.com/office/drawing/2014/main" id="{179D96B6-937D-4DE4-A6AC-36E36DAEFA76}"/>
+                <a16:creationId xmlns:a16="http://schemas.microsoft.com/office/drawing/2014/main" id="{7560D6CA-5662-4132-8E0C-7036F214ABD8}"/>
               </a:ext>
             </a:extLst>
           </p:cNvPr>
@@ -12945,12 +12851,6 @@
           <a:bodyPr/>
           <a:lstStyle/>
           <a:p>
-            <a:r>
-              <a:rPr lang="en-US" dirty="0">
-                <a:hlinkClick r:id="rId2"/>
-              </a:rPr>
-              <a:t>Comprehensive Comparison</a:t>
-            </a:r>
             <a:endParaRPr lang="en-US" dirty="0"/>
           </a:p>
         </p:txBody>
@@ -12958,7 +12858,7 @@
     </p:spTree>
     <p:extLst>
       <p:ext uri="{BB962C8B-B14F-4D97-AF65-F5344CB8AC3E}">
-        <p14:creationId xmlns:p14="http://schemas.microsoft.com/office/powerpoint/2010/main" val="1279524304"/>
+        <p14:creationId xmlns:p14="http://schemas.microsoft.com/office/powerpoint/2010/main" val="4038822500"/>
       </p:ext>
     </p:extLst>
   </p:cSld>
@@ -13008,7 +12908,7 @@
           <a:p>
             <a:r>
               <a:rPr lang="en-US" dirty="0"/>
-              <a:t>EF Core Missing Stuff…</a:t>
+              <a:t>EF Core New Stuff…</a:t>
             </a:r>
           </a:p>
         </p:txBody>
@@ -13041,7 +12941,7 @@
     </p:spTree>
     <p:extLst>
       <p:ext uri="{BB962C8B-B14F-4D97-AF65-F5344CB8AC3E}">
-        <p14:creationId xmlns:p14="http://schemas.microsoft.com/office/powerpoint/2010/main" val="4038822500"/>
+        <p14:creationId xmlns:p14="http://schemas.microsoft.com/office/powerpoint/2010/main" val="3737859940"/>
       </p:ext>
     </p:extLst>
   </p:cSld>
